--- a/세미나 자료모음/2018년도/18.08.28 전체 구성도_산학연 과제.pptx
+++ b/세미나 자료모음/2018년도/18.08.28 전체 구성도_산학연 과제.pptx
@@ -5,7 +5,7 @@
     <p:sldMasterId id="2147483750" r:id="rId1"/>
   </p:sldMasterIdLst>
   <p:notesMasterIdLst>
-    <p:notesMasterId r:id="rId20"/>
+    <p:notesMasterId r:id="rId10"/>
   </p:notesMasterIdLst>
   <p:sldIdLst>
     <p:sldId id="256" r:id="rId2"/>
@@ -15,17 +15,7 @@
     <p:sldId id="500" r:id="rId6"/>
     <p:sldId id="501" r:id="rId7"/>
     <p:sldId id="504" r:id="rId8"/>
-    <p:sldId id="506" r:id="rId9"/>
-    <p:sldId id="505" r:id="rId10"/>
-    <p:sldId id="508" r:id="rId11"/>
-    <p:sldId id="510" r:id="rId12"/>
-    <p:sldId id="511" r:id="rId13"/>
-    <p:sldId id="513" r:id="rId14"/>
-    <p:sldId id="514" r:id="rId15"/>
-    <p:sldId id="515" r:id="rId16"/>
-    <p:sldId id="516" r:id="rId17"/>
-    <p:sldId id="507" r:id="rId18"/>
-    <p:sldId id="393" r:id="rId19"/>
+    <p:sldId id="393" r:id="rId9"/>
   </p:sldIdLst>
   <p:sldSz cx="9144000" cy="6858000" type="screen4x3"/>
   <p:notesSz cx="6797675" cy="9926638"/>
@@ -281,7 +271,7 @@
           <a:p>
             <a:fld id="{57764B8E-7EC0-4B59-8DA5-E04CAE3DB5F2}" type="datetimeFigureOut">
               <a:rPr lang="ko-KR" altLang="en-US" smtClean="0"/>
-              <a:t>2018-08-30</a:t>
+              <a:t>2020-01-17</a:t>
             </a:fld>
             <a:endParaRPr lang="ko-KR" altLang="en-US"/>
           </a:p>
@@ -632,594 +622,6 @@
 </p:notes>
 </file>
 
-<file path=ppt/notesSlides/notesSlide10.xml><?xml version="1.0" encoding="utf-8"?>
-<p:notes xmlns:a="http://schemas.openxmlformats.org/drawingml/2006/main" xmlns:r="http://schemas.openxmlformats.org/officeDocument/2006/relationships" xmlns:p="http://schemas.openxmlformats.org/presentationml/2006/main">
-  <p:cSld>
-    <p:spTree>
-      <p:nvGrpSpPr>
-        <p:cNvPr id="1" name=""/>
-        <p:cNvGrpSpPr/>
-        <p:nvPr/>
-      </p:nvGrpSpPr>
-      <p:grpSpPr>
-        <a:xfrm>
-          <a:off x="0" y="0"/>
-          <a:ext cx="0" cy="0"/>
-          <a:chOff x="0" y="0"/>
-          <a:chExt cx="0" cy="0"/>
-        </a:xfrm>
-      </p:grpSpPr>
-      <p:sp>
-        <p:nvSpPr>
-          <p:cNvPr id="2" name="슬라이드 이미지 개체 틀 1"/>
-          <p:cNvSpPr>
-            <a:spLocks noGrp="1" noRot="1" noChangeAspect="1"/>
-          </p:cNvSpPr>
-          <p:nvPr>
-            <p:ph type="sldImg"/>
-          </p:nvPr>
-        </p:nvSpPr>
-        <p:spPr/>
-      </p:sp>
-      <p:sp>
-        <p:nvSpPr>
-          <p:cNvPr id="3" name="슬라이드 노트 개체 틀 2"/>
-          <p:cNvSpPr>
-            <a:spLocks noGrp="1"/>
-          </p:cNvSpPr>
-          <p:nvPr>
-            <p:ph type="body" idx="1"/>
-          </p:nvPr>
-        </p:nvSpPr>
-        <p:spPr/>
-        <p:txBody>
-          <a:bodyPr/>
-          <a:lstStyle/>
-          <a:p>
-            <a:endParaRPr lang="ko-KR" altLang="en-US"/>
-          </a:p>
-        </p:txBody>
-      </p:sp>
-      <p:sp>
-        <p:nvSpPr>
-          <p:cNvPr id="4" name="슬라이드 번호 개체 틀 3"/>
-          <p:cNvSpPr>
-            <a:spLocks noGrp="1"/>
-          </p:cNvSpPr>
-          <p:nvPr>
-            <p:ph type="sldNum" sz="quarter" idx="10"/>
-          </p:nvPr>
-        </p:nvSpPr>
-        <p:spPr/>
-        <p:txBody>
-          <a:bodyPr/>
-          <a:lstStyle/>
-          <a:p>
-            <a:fld id="{420F09F9-D812-4758-8566-A65BCCCBDD8F}" type="slidenum">
-              <a:rPr lang="ko-KR" altLang="en-US" smtClean="0"/>
-              <a:t>11</a:t>
-            </a:fld>
-            <a:endParaRPr lang="ko-KR" altLang="en-US"/>
-          </a:p>
-        </p:txBody>
-      </p:sp>
-    </p:spTree>
-    <p:extLst>
-      <p:ext uri="{BB962C8B-B14F-4D97-AF65-F5344CB8AC3E}">
-        <p14:creationId xmlns:p14="http://schemas.microsoft.com/office/powerpoint/2010/main" val="2661632419"/>
-      </p:ext>
-    </p:extLst>
-  </p:cSld>
-  <p:clrMapOvr>
-    <a:masterClrMapping/>
-  </p:clrMapOvr>
-</p:notes>
-</file>
-
-<file path=ppt/notesSlides/notesSlide11.xml><?xml version="1.0" encoding="utf-8"?>
-<p:notes xmlns:a="http://schemas.openxmlformats.org/drawingml/2006/main" xmlns:r="http://schemas.openxmlformats.org/officeDocument/2006/relationships" xmlns:p="http://schemas.openxmlformats.org/presentationml/2006/main">
-  <p:cSld>
-    <p:spTree>
-      <p:nvGrpSpPr>
-        <p:cNvPr id="1" name=""/>
-        <p:cNvGrpSpPr/>
-        <p:nvPr/>
-      </p:nvGrpSpPr>
-      <p:grpSpPr>
-        <a:xfrm>
-          <a:off x="0" y="0"/>
-          <a:ext cx="0" cy="0"/>
-          <a:chOff x="0" y="0"/>
-          <a:chExt cx="0" cy="0"/>
-        </a:xfrm>
-      </p:grpSpPr>
-      <p:sp>
-        <p:nvSpPr>
-          <p:cNvPr id="2" name="슬라이드 이미지 개체 틀 1"/>
-          <p:cNvSpPr>
-            <a:spLocks noGrp="1" noRot="1" noChangeAspect="1"/>
-          </p:cNvSpPr>
-          <p:nvPr>
-            <p:ph type="sldImg"/>
-          </p:nvPr>
-        </p:nvSpPr>
-        <p:spPr/>
-      </p:sp>
-      <p:sp>
-        <p:nvSpPr>
-          <p:cNvPr id="3" name="슬라이드 노트 개체 틀 2"/>
-          <p:cNvSpPr>
-            <a:spLocks noGrp="1"/>
-          </p:cNvSpPr>
-          <p:nvPr>
-            <p:ph type="body" idx="1"/>
-          </p:nvPr>
-        </p:nvSpPr>
-        <p:spPr/>
-        <p:txBody>
-          <a:bodyPr/>
-          <a:lstStyle/>
-          <a:p>
-            <a:endParaRPr lang="ko-KR" altLang="en-US"/>
-          </a:p>
-        </p:txBody>
-      </p:sp>
-      <p:sp>
-        <p:nvSpPr>
-          <p:cNvPr id="4" name="슬라이드 번호 개체 틀 3"/>
-          <p:cNvSpPr>
-            <a:spLocks noGrp="1"/>
-          </p:cNvSpPr>
-          <p:nvPr>
-            <p:ph type="sldNum" sz="quarter" idx="10"/>
-          </p:nvPr>
-        </p:nvSpPr>
-        <p:spPr/>
-        <p:txBody>
-          <a:bodyPr/>
-          <a:lstStyle/>
-          <a:p>
-            <a:fld id="{420F09F9-D812-4758-8566-A65BCCCBDD8F}" type="slidenum">
-              <a:rPr lang="ko-KR" altLang="en-US" smtClean="0"/>
-              <a:t>12</a:t>
-            </a:fld>
-            <a:endParaRPr lang="ko-KR" altLang="en-US"/>
-          </a:p>
-        </p:txBody>
-      </p:sp>
-    </p:spTree>
-    <p:extLst>
-      <p:ext uri="{BB962C8B-B14F-4D97-AF65-F5344CB8AC3E}">
-        <p14:creationId xmlns:p14="http://schemas.microsoft.com/office/powerpoint/2010/main" val="2392979738"/>
-      </p:ext>
-    </p:extLst>
-  </p:cSld>
-  <p:clrMapOvr>
-    <a:masterClrMapping/>
-  </p:clrMapOvr>
-</p:notes>
-</file>
-
-<file path=ppt/notesSlides/notesSlide12.xml><?xml version="1.0" encoding="utf-8"?>
-<p:notes xmlns:a="http://schemas.openxmlformats.org/drawingml/2006/main" xmlns:r="http://schemas.openxmlformats.org/officeDocument/2006/relationships" xmlns:p="http://schemas.openxmlformats.org/presentationml/2006/main">
-  <p:cSld>
-    <p:spTree>
-      <p:nvGrpSpPr>
-        <p:cNvPr id="1" name=""/>
-        <p:cNvGrpSpPr/>
-        <p:nvPr/>
-      </p:nvGrpSpPr>
-      <p:grpSpPr>
-        <a:xfrm>
-          <a:off x="0" y="0"/>
-          <a:ext cx="0" cy="0"/>
-          <a:chOff x="0" y="0"/>
-          <a:chExt cx="0" cy="0"/>
-        </a:xfrm>
-      </p:grpSpPr>
-      <p:sp>
-        <p:nvSpPr>
-          <p:cNvPr id="2" name="슬라이드 이미지 개체 틀 1"/>
-          <p:cNvSpPr>
-            <a:spLocks noGrp="1" noRot="1" noChangeAspect="1"/>
-          </p:cNvSpPr>
-          <p:nvPr>
-            <p:ph type="sldImg"/>
-          </p:nvPr>
-        </p:nvSpPr>
-        <p:spPr/>
-      </p:sp>
-      <p:sp>
-        <p:nvSpPr>
-          <p:cNvPr id="3" name="슬라이드 노트 개체 틀 2"/>
-          <p:cNvSpPr>
-            <a:spLocks noGrp="1"/>
-          </p:cNvSpPr>
-          <p:nvPr>
-            <p:ph type="body" idx="1"/>
-          </p:nvPr>
-        </p:nvSpPr>
-        <p:spPr/>
-        <p:txBody>
-          <a:bodyPr/>
-          <a:lstStyle/>
-          <a:p>
-            <a:endParaRPr lang="ko-KR" altLang="en-US"/>
-          </a:p>
-        </p:txBody>
-      </p:sp>
-      <p:sp>
-        <p:nvSpPr>
-          <p:cNvPr id="4" name="슬라이드 번호 개체 틀 3"/>
-          <p:cNvSpPr>
-            <a:spLocks noGrp="1"/>
-          </p:cNvSpPr>
-          <p:nvPr>
-            <p:ph type="sldNum" sz="quarter" idx="10"/>
-          </p:nvPr>
-        </p:nvSpPr>
-        <p:spPr/>
-        <p:txBody>
-          <a:bodyPr/>
-          <a:lstStyle/>
-          <a:p>
-            <a:fld id="{420F09F9-D812-4758-8566-A65BCCCBDD8F}" type="slidenum">
-              <a:rPr lang="ko-KR" altLang="en-US" smtClean="0"/>
-              <a:t>13</a:t>
-            </a:fld>
-            <a:endParaRPr lang="ko-KR" altLang="en-US"/>
-          </a:p>
-        </p:txBody>
-      </p:sp>
-    </p:spTree>
-    <p:extLst>
-      <p:ext uri="{BB962C8B-B14F-4D97-AF65-F5344CB8AC3E}">
-        <p14:creationId xmlns:p14="http://schemas.microsoft.com/office/powerpoint/2010/main" val="2802821085"/>
-      </p:ext>
-    </p:extLst>
-  </p:cSld>
-  <p:clrMapOvr>
-    <a:masterClrMapping/>
-  </p:clrMapOvr>
-</p:notes>
-</file>
-
-<file path=ppt/notesSlides/notesSlide13.xml><?xml version="1.0" encoding="utf-8"?>
-<p:notes xmlns:a="http://schemas.openxmlformats.org/drawingml/2006/main" xmlns:r="http://schemas.openxmlformats.org/officeDocument/2006/relationships" xmlns:p="http://schemas.openxmlformats.org/presentationml/2006/main">
-  <p:cSld>
-    <p:spTree>
-      <p:nvGrpSpPr>
-        <p:cNvPr id="1" name=""/>
-        <p:cNvGrpSpPr/>
-        <p:nvPr/>
-      </p:nvGrpSpPr>
-      <p:grpSpPr>
-        <a:xfrm>
-          <a:off x="0" y="0"/>
-          <a:ext cx="0" cy="0"/>
-          <a:chOff x="0" y="0"/>
-          <a:chExt cx="0" cy="0"/>
-        </a:xfrm>
-      </p:grpSpPr>
-      <p:sp>
-        <p:nvSpPr>
-          <p:cNvPr id="2" name="슬라이드 이미지 개체 틀 1"/>
-          <p:cNvSpPr>
-            <a:spLocks noGrp="1" noRot="1" noChangeAspect="1"/>
-          </p:cNvSpPr>
-          <p:nvPr>
-            <p:ph type="sldImg"/>
-          </p:nvPr>
-        </p:nvSpPr>
-        <p:spPr/>
-      </p:sp>
-      <p:sp>
-        <p:nvSpPr>
-          <p:cNvPr id="3" name="슬라이드 노트 개체 틀 2"/>
-          <p:cNvSpPr>
-            <a:spLocks noGrp="1"/>
-          </p:cNvSpPr>
-          <p:nvPr>
-            <p:ph type="body" idx="1"/>
-          </p:nvPr>
-        </p:nvSpPr>
-        <p:spPr/>
-        <p:txBody>
-          <a:bodyPr/>
-          <a:lstStyle/>
-          <a:p>
-            <a:endParaRPr lang="ko-KR" altLang="en-US"/>
-          </a:p>
-        </p:txBody>
-      </p:sp>
-      <p:sp>
-        <p:nvSpPr>
-          <p:cNvPr id="4" name="슬라이드 번호 개체 틀 3"/>
-          <p:cNvSpPr>
-            <a:spLocks noGrp="1"/>
-          </p:cNvSpPr>
-          <p:nvPr>
-            <p:ph type="sldNum" sz="quarter" idx="10"/>
-          </p:nvPr>
-        </p:nvSpPr>
-        <p:spPr/>
-        <p:txBody>
-          <a:bodyPr/>
-          <a:lstStyle/>
-          <a:p>
-            <a:fld id="{420F09F9-D812-4758-8566-A65BCCCBDD8F}" type="slidenum">
-              <a:rPr lang="ko-KR" altLang="en-US" smtClean="0"/>
-              <a:t>14</a:t>
-            </a:fld>
-            <a:endParaRPr lang="ko-KR" altLang="en-US"/>
-          </a:p>
-        </p:txBody>
-      </p:sp>
-    </p:spTree>
-    <p:extLst>
-      <p:ext uri="{BB962C8B-B14F-4D97-AF65-F5344CB8AC3E}">
-        <p14:creationId xmlns:p14="http://schemas.microsoft.com/office/powerpoint/2010/main" val="3965963517"/>
-      </p:ext>
-    </p:extLst>
-  </p:cSld>
-  <p:clrMapOvr>
-    <a:masterClrMapping/>
-  </p:clrMapOvr>
-</p:notes>
-</file>
-
-<file path=ppt/notesSlides/notesSlide14.xml><?xml version="1.0" encoding="utf-8"?>
-<p:notes xmlns:a="http://schemas.openxmlformats.org/drawingml/2006/main" xmlns:r="http://schemas.openxmlformats.org/officeDocument/2006/relationships" xmlns:p="http://schemas.openxmlformats.org/presentationml/2006/main">
-  <p:cSld>
-    <p:spTree>
-      <p:nvGrpSpPr>
-        <p:cNvPr id="1" name=""/>
-        <p:cNvGrpSpPr/>
-        <p:nvPr/>
-      </p:nvGrpSpPr>
-      <p:grpSpPr>
-        <a:xfrm>
-          <a:off x="0" y="0"/>
-          <a:ext cx="0" cy="0"/>
-          <a:chOff x="0" y="0"/>
-          <a:chExt cx="0" cy="0"/>
-        </a:xfrm>
-      </p:grpSpPr>
-      <p:sp>
-        <p:nvSpPr>
-          <p:cNvPr id="2" name="슬라이드 이미지 개체 틀 1"/>
-          <p:cNvSpPr>
-            <a:spLocks noGrp="1" noRot="1" noChangeAspect="1"/>
-          </p:cNvSpPr>
-          <p:nvPr>
-            <p:ph type="sldImg"/>
-          </p:nvPr>
-        </p:nvSpPr>
-        <p:spPr/>
-      </p:sp>
-      <p:sp>
-        <p:nvSpPr>
-          <p:cNvPr id="3" name="슬라이드 노트 개체 틀 2"/>
-          <p:cNvSpPr>
-            <a:spLocks noGrp="1"/>
-          </p:cNvSpPr>
-          <p:nvPr>
-            <p:ph type="body" idx="1"/>
-          </p:nvPr>
-        </p:nvSpPr>
-        <p:spPr/>
-        <p:txBody>
-          <a:bodyPr/>
-          <a:lstStyle/>
-          <a:p>
-            <a:endParaRPr lang="ko-KR" altLang="en-US"/>
-          </a:p>
-        </p:txBody>
-      </p:sp>
-      <p:sp>
-        <p:nvSpPr>
-          <p:cNvPr id="4" name="슬라이드 번호 개체 틀 3"/>
-          <p:cNvSpPr>
-            <a:spLocks noGrp="1"/>
-          </p:cNvSpPr>
-          <p:nvPr>
-            <p:ph type="sldNum" sz="quarter" idx="10"/>
-          </p:nvPr>
-        </p:nvSpPr>
-        <p:spPr/>
-        <p:txBody>
-          <a:bodyPr/>
-          <a:lstStyle/>
-          <a:p>
-            <a:fld id="{420F09F9-D812-4758-8566-A65BCCCBDD8F}" type="slidenum">
-              <a:rPr lang="ko-KR" altLang="en-US" smtClean="0"/>
-              <a:t>15</a:t>
-            </a:fld>
-            <a:endParaRPr lang="ko-KR" altLang="en-US"/>
-          </a:p>
-        </p:txBody>
-      </p:sp>
-    </p:spTree>
-    <p:extLst>
-      <p:ext uri="{BB962C8B-B14F-4D97-AF65-F5344CB8AC3E}">
-        <p14:creationId xmlns:p14="http://schemas.microsoft.com/office/powerpoint/2010/main" val="296296861"/>
-      </p:ext>
-    </p:extLst>
-  </p:cSld>
-  <p:clrMapOvr>
-    <a:masterClrMapping/>
-  </p:clrMapOvr>
-</p:notes>
-</file>
-
-<file path=ppt/notesSlides/notesSlide15.xml><?xml version="1.0" encoding="utf-8"?>
-<p:notes xmlns:a="http://schemas.openxmlformats.org/drawingml/2006/main" xmlns:r="http://schemas.openxmlformats.org/officeDocument/2006/relationships" xmlns:p="http://schemas.openxmlformats.org/presentationml/2006/main">
-  <p:cSld>
-    <p:spTree>
-      <p:nvGrpSpPr>
-        <p:cNvPr id="1" name=""/>
-        <p:cNvGrpSpPr/>
-        <p:nvPr/>
-      </p:nvGrpSpPr>
-      <p:grpSpPr>
-        <a:xfrm>
-          <a:off x="0" y="0"/>
-          <a:ext cx="0" cy="0"/>
-          <a:chOff x="0" y="0"/>
-          <a:chExt cx="0" cy="0"/>
-        </a:xfrm>
-      </p:grpSpPr>
-      <p:sp>
-        <p:nvSpPr>
-          <p:cNvPr id="2" name="슬라이드 이미지 개체 틀 1"/>
-          <p:cNvSpPr>
-            <a:spLocks noGrp="1" noRot="1" noChangeAspect="1"/>
-          </p:cNvSpPr>
-          <p:nvPr>
-            <p:ph type="sldImg"/>
-          </p:nvPr>
-        </p:nvSpPr>
-        <p:spPr/>
-      </p:sp>
-      <p:sp>
-        <p:nvSpPr>
-          <p:cNvPr id="3" name="슬라이드 노트 개체 틀 2"/>
-          <p:cNvSpPr>
-            <a:spLocks noGrp="1"/>
-          </p:cNvSpPr>
-          <p:nvPr>
-            <p:ph type="body" idx="1"/>
-          </p:nvPr>
-        </p:nvSpPr>
-        <p:spPr/>
-        <p:txBody>
-          <a:bodyPr/>
-          <a:lstStyle/>
-          <a:p>
-            <a:endParaRPr lang="ko-KR" altLang="en-US"/>
-          </a:p>
-        </p:txBody>
-      </p:sp>
-      <p:sp>
-        <p:nvSpPr>
-          <p:cNvPr id="4" name="슬라이드 번호 개체 틀 3"/>
-          <p:cNvSpPr>
-            <a:spLocks noGrp="1"/>
-          </p:cNvSpPr>
-          <p:nvPr>
-            <p:ph type="sldNum" sz="quarter" idx="10"/>
-          </p:nvPr>
-        </p:nvSpPr>
-        <p:spPr/>
-        <p:txBody>
-          <a:bodyPr/>
-          <a:lstStyle/>
-          <a:p>
-            <a:fld id="{420F09F9-D812-4758-8566-A65BCCCBDD8F}" type="slidenum">
-              <a:rPr lang="ko-KR" altLang="en-US" smtClean="0"/>
-              <a:t>16</a:t>
-            </a:fld>
-            <a:endParaRPr lang="ko-KR" altLang="en-US"/>
-          </a:p>
-        </p:txBody>
-      </p:sp>
-    </p:spTree>
-    <p:extLst>
-      <p:ext uri="{BB962C8B-B14F-4D97-AF65-F5344CB8AC3E}">
-        <p14:creationId xmlns:p14="http://schemas.microsoft.com/office/powerpoint/2010/main" val="3681076426"/>
-      </p:ext>
-    </p:extLst>
-  </p:cSld>
-  <p:clrMapOvr>
-    <a:masterClrMapping/>
-  </p:clrMapOvr>
-</p:notes>
-</file>
-
-<file path=ppt/notesSlides/notesSlide16.xml><?xml version="1.0" encoding="utf-8"?>
-<p:notes xmlns:a="http://schemas.openxmlformats.org/drawingml/2006/main" xmlns:r="http://schemas.openxmlformats.org/officeDocument/2006/relationships" xmlns:p="http://schemas.openxmlformats.org/presentationml/2006/main">
-  <p:cSld>
-    <p:spTree>
-      <p:nvGrpSpPr>
-        <p:cNvPr id="1" name=""/>
-        <p:cNvGrpSpPr/>
-        <p:nvPr/>
-      </p:nvGrpSpPr>
-      <p:grpSpPr>
-        <a:xfrm>
-          <a:off x="0" y="0"/>
-          <a:ext cx="0" cy="0"/>
-          <a:chOff x="0" y="0"/>
-          <a:chExt cx="0" cy="0"/>
-        </a:xfrm>
-      </p:grpSpPr>
-      <p:sp>
-        <p:nvSpPr>
-          <p:cNvPr id="2" name="슬라이드 이미지 개체 틀 1"/>
-          <p:cNvSpPr>
-            <a:spLocks noGrp="1" noRot="1" noChangeAspect="1"/>
-          </p:cNvSpPr>
-          <p:nvPr>
-            <p:ph type="sldImg"/>
-          </p:nvPr>
-        </p:nvSpPr>
-        <p:spPr/>
-      </p:sp>
-      <p:sp>
-        <p:nvSpPr>
-          <p:cNvPr id="3" name="슬라이드 노트 개체 틀 2"/>
-          <p:cNvSpPr>
-            <a:spLocks noGrp="1"/>
-          </p:cNvSpPr>
-          <p:nvPr>
-            <p:ph type="body" idx="1"/>
-          </p:nvPr>
-        </p:nvSpPr>
-        <p:spPr/>
-        <p:txBody>
-          <a:bodyPr/>
-          <a:lstStyle/>
-          <a:p>
-            <a:endParaRPr lang="ko-KR" altLang="en-US"/>
-          </a:p>
-        </p:txBody>
-      </p:sp>
-      <p:sp>
-        <p:nvSpPr>
-          <p:cNvPr id="4" name="슬라이드 번호 개체 틀 3"/>
-          <p:cNvSpPr>
-            <a:spLocks noGrp="1"/>
-          </p:cNvSpPr>
-          <p:nvPr>
-            <p:ph type="sldNum" sz="quarter" idx="10"/>
-          </p:nvPr>
-        </p:nvSpPr>
-        <p:spPr/>
-        <p:txBody>
-          <a:bodyPr/>
-          <a:lstStyle/>
-          <a:p>
-            <a:fld id="{420F09F9-D812-4758-8566-A65BCCCBDD8F}" type="slidenum">
-              <a:rPr lang="ko-KR" altLang="en-US" smtClean="0"/>
-              <a:t>17</a:t>
-            </a:fld>
-            <a:endParaRPr lang="ko-KR" altLang="en-US"/>
-          </a:p>
-        </p:txBody>
-      </p:sp>
-    </p:spTree>
-    <p:extLst>
-      <p:ext uri="{BB962C8B-B14F-4D97-AF65-F5344CB8AC3E}">
-        <p14:creationId xmlns:p14="http://schemas.microsoft.com/office/powerpoint/2010/main" val="435586842"/>
-      </p:ext>
-    </p:extLst>
-  </p:cSld>
-  <p:clrMapOvr>
-    <a:masterClrMapping/>
-  </p:clrMapOvr>
-</p:notes>
-</file>
-
 <file path=ppt/notesSlides/notesSlide2.xml><?xml version="1.0" encoding="utf-8"?>
 <p:notes xmlns:a="http://schemas.openxmlformats.org/drawingml/2006/main" xmlns:r="http://schemas.openxmlformats.org/officeDocument/2006/relationships" xmlns:p="http://schemas.openxmlformats.org/presentationml/2006/main">
   <p:cSld>
@@ -1631,258 +1033,6 @@
     <p:extLst>
       <p:ext uri="{BB962C8B-B14F-4D97-AF65-F5344CB8AC3E}">
         <p14:creationId xmlns:p14="http://schemas.microsoft.com/office/powerpoint/2010/main" val="918451340"/>
-      </p:ext>
-    </p:extLst>
-  </p:cSld>
-  <p:clrMapOvr>
-    <a:masterClrMapping/>
-  </p:clrMapOvr>
-</p:notes>
-</file>
-
-<file path=ppt/notesSlides/notesSlide7.xml><?xml version="1.0" encoding="utf-8"?>
-<p:notes xmlns:a="http://schemas.openxmlformats.org/drawingml/2006/main" xmlns:r="http://schemas.openxmlformats.org/officeDocument/2006/relationships" xmlns:p="http://schemas.openxmlformats.org/presentationml/2006/main">
-  <p:cSld>
-    <p:spTree>
-      <p:nvGrpSpPr>
-        <p:cNvPr id="1" name=""/>
-        <p:cNvGrpSpPr/>
-        <p:nvPr/>
-      </p:nvGrpSpPr>
-      <p:grpSpPr>
-        <a:xfrm>
-          <a:off x="0" y="0"/>
-          <a:ext cx="0" cy="0"/>
-          <a:chOff x="0" y="0"/>
-          <a:chExt cx="0" cy="0"/>
-        </a:xfrm>
-      </p:grpSpPr>
-      <p:sp>
-        <p:nvSpPr>
-          <p:cNvPr id="2" name="슬라이드 이미지 개체 틀 1"/>
-          <p:cNvSpPr>
-            <a:spLocks noGrp="1" noRot="1" noChangeAspect="1"/>
-          </p:cNvSpPr>
-          <p:nvPr>
-            <p:ph type="sldImg"/>
-          </p:nvPr>
-        </p:nvSpPr>
-        <p:spPr/>
-      </p:sp>
-      <p:sp>
-        <p:nvSpPr>
-          <p:cNvPr id="3" name="슬라이드 노트 개체 틀 2"/>
-          <p:cNvSpPr>
-            <a:spLocks noGrp="1"/>
-          </p:cNvSpPr>
-          <p:nvPr>
-            <p:ph type="body" idx="1"/>
-          </p:nvPr>
-        </p:nvSpPr>
-        <p:spPr/>
-        <p:txBody>
-          <a:bodyPr/>
-          <a:lstStyle/>
-          <a:p>
-            <a:endParaRPr lang="ko-KR" altLang="en-US"/>
-          </a:p>
-        </p:txBody>
-      </p:sp>
-      <p:sp>
-        <p:nvSpPr>
-          <p:cNvPr id="4" name="슬라이드 번호 개체 틀 3"/>
-          <p:cNvSpPr>
-            <a:spLocks noGrp="1"/>
-          </p:cNvSpPr>
-          <p:nvPr>
-            <p:ph type="sldNum" sz="quarter" idx="10"/>
-          </p:nvPr>
-        </p:nvSpPr>
-        <p:spPr/>
-        <p:txBody>
-          <a:bodyPr/>
-          <a:lstStyle/>
-          <a:p>
-            <a:fld id="{420F09F9-D812-4758-8566-A65BCCCBDD8F}" type="slidenum">
-              <a:rPr lang="ko-KR" altLang="en-US" smtClean="0"/>
-              <a:t>8</a:t>
-            </a:fld>
-            <a:endParaRPr lang="ko-KR" altLang="en-US"/>
-          </a:p>
-        </p:txBody>
-      </p:sp>
-    </p:spTree>
-    <p:extLst>
-      <p:ext uri="{BB962C8B-B14F-4D97-AF65-F5344CB8AC3E}">
-        <p14:creationId xmlns:p14="http://schemas.microsoft.com/office/powerpoint/2010/main" val="2060920045"/>
-      </p:ext>
-    </p:extLst>
-  </p:cSld>
-  <p:clrMapOvr>
-    <a:masterClrMapping/>
-  </p:clrMapOvr>
-</p:notes>
-</file>
-
-<file path=ppt/notesSlides/notesSlide8.xml><?xml version="1.0" encoding="utf-8"?>
-<p:notes xmlns:a="http://schemas.openxmlformats.org/drawingml/2006/main" xmlns:r="http://schemas.openxmlformats.org/officeDocument/2006/relationships" xmlns:p="http://schemas.openxmlformats.org/presentationml/2006/main">
-  <p:cSld>
-    <p:spTree>
-      <p:nvGrpSpPr>
-        <p:cNvPr id="1" name=""/>
-        <p:cNvGrpSpPr/>
-        <p:nvPr/>
-      </p:nvGrpSpPr>
-      <p:grpSpPr>
-        <a:xfrm>
-          <a:off x="0" y="0"/>
-          <a:ext cx="0" cy="0"/>
-          <a:chOff x="0" y="0"/>
-          <a:chExt cx="0" cy="0"/>
-        </a:xfrm>
-      </p:grpSpPr>
-      <p:sp>
-        <p:nvSpPr>
-          <p:cNvPr id="2" name="슬라이드 이미지 개체 틀 1"/>
-          <p:cNvSpPr>
-            <a:spLocks noGrp="1" noRot="1" noChangeAspect="1"/>
-          </p:cNvSpPr>
-          <p:nvPr>
-            <p:ph type="sldImg"/>
-          </p:nvPr>
-        </p:nvSpPr>
-        <p:spPr/>
-      </p:sp>
-      <p:sp>
-        <p:nvSpPr>
-          <p:cNvPr id="3" name="슬라이드 노트 개체 틀 2"/>
-          <p:cNvSpPr>
-            <a:spLocks noGrp="1"/>
-          </p:cNvSpPr>
-          <p:nvPr>
-            <p:ph type="body" idx="1"/>
-          </p:nvPr>
-        </p:nvSpPr>
-        <p:spPr/>
-        <p:txBody>
-          <a:bodyPr/>
-          <a:lstStyle/>
-          <a:p>
-            <a:endParaRPr lang="ko-KR" altLang="en-US"/>
-          </a:p>
-        </p:txBody>
-      </p:sp>
-      <p:sp>
-        <p:nvSpPr>
-          <p:cNvPr id="4" name="슬라이드 번호 개체 틀 3"/>
-          <p:cNvSpPr>
-            <a:spLocks noGrp="1"/>
-          </p:cNvSpPr>
-          <p:nvPr>
-            <p:ph type="sldNum" sz="quarter" idx="10"/>
-          </p:nvPr>
-        </p:nvSpPr>
-        <p:spPr/>
-        <p:txBody>
-          <a:bodyPr/>
-          <a:lstStyle/>
-          <a:p>
-            <a:fld id="{420F09F9-D812-4758-8566-A65BCCCBDD8F}" type="slidenum">
-              <a:rPr lang="ko-KR" altLang="en-US" smtClean="0"/>
-              <a:t>9</a:t>
-            </a:fld>
-            <a:endParaRPr lang="ko-KR" altLang="en-US"/>
-          </a:p>
-        </p:txBody>
-      </p:sp>
-    </p:spTree>
-    <p:extLst>
-      <p:ext uri="{BB962C8B-B14F-4D97-AF65-F5344CB8AC3E}">
-        <p14:creationId xmlns:p14="http://schemas.microsoft.com/office/powerpoint/2010/main" val="1064821796"/>
-      </p:ext>
-    </p:extLst>
-  </p:cSld>
-  <p:clrMapOvr>
-    <a:masterClrMapping/>
-  </p:clrMapOvr>
-</p:notes>
-</file>
-
-<file path=ppt/notesSlides/notesSlide9.xml><?xml version="1.0" encoding="utf-8"?>
-<p:notes xmlns:a="http://schemas.openxmlformats.org/drawingml/2006/main" xmlns:r="http://schemas.openxmlformats.org/officeDocument/2006/relationships" xmlns:p="http://schemas.openxmlformats.org/presentationml/2006/main">
-  <p:cSld>
-    <p:spTree>
-      <p:nvGrpSpPr>
-        <p:cNvPr id="1" name=""/>
-        <p:cNvGrpSpPr/>
-        <p:nvPr/>
-      </p:nvGrpSpPr>
-      <p:grpSpPr>
-        <a:xfrm>
-          <a:off x="0" y="0"/>
-          <a:ext cx="0" cy="0"/>
-          <a:chOff x="0" y="0"/>
-          <a:chExt cx="0" cy="0"/>
-        </a:xfrm>
-      </p:grpSpPr>
-      <p:sp>
-        <p:nvSpPr>
-          <p:cNvPr id="2" name="슬라이드 이미지 개체 틀 1"/>
-          <p:cNvSpPr>
-            <a:spLocks noGrp="1" noRot="1" noChangeAspect="1"/>
-          </p:cNvSpPr>
-          <p:nvPr>
-            <p:ph type="sldImg"/>
-          </p:nvPr>
-        </p:nvSpPr>
-        <p:spPr/>
-      </p:sp>
-      <p:sp>
-        <p:nvSpPr>
-          <p:cNvPr id="3" name="슬라이드 노트 개체 틀 2"/>
-          <p:cNvSpPr>
-            <a:spLocks noGrp="1"/>
-          </p:cNvSpPr>
-          <p:nvPr>
-            <p:ph type="body" idx="1"/>
-          </p:nvPr>
-        </p:nvSpPr>
-        <p:spPr/>
-        <p:txBody>
-          <a:bodyPr/>
-          <a:lstStyle/>
-          <a:p>
-            <a:endParaRPr lang="ko-KR" altLang="en-US"/>
-          </a:p>
-        </p:txBody>
-      </p:sp>
-      <p:sp>
-        <p:nvSpPr>
-          <p:cNvPr id="4" name="슬라이드 번호 개체 틀 3"/>
-          <p:cNvSpPr>
-            <a:spLocks noGrp="1"/>
-          </p:cNvSpPr>
-          <p:nvPr>
-            <p:ph type="sldNum" sz="quarter" idx="10"/>
-          </p:nvPr>
-        </p:nvSpPr>
-        <p:spPr/>
-        <p:txBody>
-          <a:bodyPr/>
-          <a:lstStyle/>
-          <a:p>
-            <a:fld id="{420F09F9-D812-4758-8566-A65BCCCBDD8F}" type="slidenum">
-              <a:rPr lang="ko-KR" altLang="en-US" smtClean="0"/>
-              <a:t>10</a:t>
-            </a:fld>
-            <a:endParaRPr lang="ko-KR" altLang="en-US"/>
-          </a:p>
-        </p:txBody>
-      </p:sp>
-    </p:spTree>
-    <p:extLst>
-      <p:ext uri="{BB962C8B-B14F-4D97-AF65-F5344CB8AC3E}">
-        <p14:creationId xmlns:p14="http://schemas.microsoft.com/office/powerpoint/2010/main" val="397985465"/>
       </p:ext>
     </p:extLst>
   </p:cSld>
@@ -5690,3073 +4840,6 @@
 </p:sld>
 </file>
 
-<file path=ppt/slides/slide10.xml><?xml version="1.0" encoding="utf-8"?>
-<p:sld xmlns:a="http://schemas.openxmlformats.org/drawingml/2006/main" xmlns:r="http://schemas.openxmlformats.org/officeDocument/2006/relationships" xmlns:p="http://schemas.openxmlformats.org/presentationml/2006/main">
-  <p:cSld>
-    <p:spTree>
-      <p:nvGrpSpPr>
-        <p:cNvPr id="1" name=""/>
-        <p:cNvGrpSpPr/>
-        <p:nvPr/>
-      </p:nvGrpSpPr>
-      <p:grpSpPr>
-        <a:xfrm>
-          <a:off x="0" y="0"/>
-          <a:ext cx="0" cy="0"/>
-          <a:chOff x="0" y="0"/>
-          <a:chExt cx="0" cy="0"/>
-        </a:xfrm>
-      </p:grpSpPr>
-      <p:sp>
-        <p:nvSpPr>
-          <p:cNvPr id="9" name="내용 개체 틀 2">
-            <a:extLst>
-              <a:ext uri="{FF2B5EF4-FFF2-40B4-BE49-F238E27FC236}">
-                <a16:creationId xmlns:a16="http://schemas.microsoft.com/office/drawing/2014/main" id="{0371F4DB-13CD-47C3-B2A8-AE9E160ACFE1}"/>
-              </a:ext>
-            </a:extLst>
-          </p:cNvPr>
-          <p:cNvSpPr>
-            <a:spLocks noGrp="1"/>
-          </p:cNvSpPr>
-          <p:nvPr>
-            <p:ph idx="1"/>
-          </p:nvPr>
-        </p:nvSpPr>
-        <p:spPr>
-          <a:xfrm>
-            <a:off x="898237" y="1052736"/>
-            <a:ext cx="8055254" cy="5646444"/>
-          </a:xfrm>
-        </p:spPr>
-        <p:txBody>
-          <a:bodyPr>
-            <a:normAutofit/>
-          </a:bodyPr>
-          <a:lstStyle/>
-          <a:p>
-            <a:r>
-              <a:rPr lang="en-US" altLang="ko-KR" sz="2400"/>
-              <a:t>Apache2, php, Mysql </a:t>
-            </a:r>
-            <a:r>
-              <a:rPr lang="ko-KR" altLang="en-US" sz="2400"/>
-              <a:t>설치</a:t>
-            </a:r>
-            <a:endParaRPr lang="en-US" altLang="ko-KR" sz="2400"/>
-          </a:p>
-          <a:p>
-            <a:endParaRPr lang="en-US" altLang="ko-KR" sz="2400"/>
-          </a:p>
-          <a:p>
-            <a:endParaRPr lang="en-US" altLang="ko-KR" sz="2400"/>
-          </a:p>
-          <a:p>
-            <a:endParaRPr lang="en-US" altLang="ko-KR" sz="2400"/>
-          </a:p>
-          <a:p>
-            <a:pPr marL="0" indent="0">
-              <a:buNone/>
-            </a:pPr>
-            <a:endParaRPr lang="en-US" altLang="ko-KR" sz="2400"/>
-          </a:p>
-          <a:p>
-            <a:r>
-              <a:rPr lang="en-US" altLang="ko-KR" sz="2400"/>
-              <a:t>Wordpress </a:t>
-            </a:r>
-            <a:r>
-              <a:rPr lang="ko-KR" altLang="en-US" sz="2400"/>
-              <a:t>복원</a:t>
-            </a:r>
-            <a:endParaRPr lang="en-US" altLang="ko-KR" sz="2400"/>
-          </a:p>
-          <a:p>
-            <a:endParaRPr lang="en-US" altLang="ko-KR" sz="2400"/>
-          </a:p>
-          <a:p>
-            <a:endParaRPr lang="en-US" altLang="ko-KR" sz="2400"/>
-          </a:p>
-          <a:p>
-            <a:r>
-              <a:rPr lang="en-US" altLang="ko-KR" sz="2400"/>
-              <a:t>Mysql </a:t>
-            </a:r>
-            <a:r>
-              <a:rPr lang="ko-KR" altLang="en-US" sz="2400"/>
-              <a:t>복원</a:t>
-            </a:r>
-            <a:endParaRPr lang="en-US" altLang="ko-KR" sz="2400"/>
-          </a:p>
-          <a:p>
-            <a:pPr lvl="1"/>
-            <a:endParaRPr lang="en-US" altLang="ko-KR" sz="2000"/>
-          </a:p>
-        </p:txBody>
-      </p:sp>
-      <p:sp>
-        <p:nvSpPr>
-          <p:cNvPr id="2" name="제목 1"/>
-          <p:cNvSpPr>
-            <a:spLocks noGrp="1"/>
-          </p:cNvSpPr>
-          <p:nvPr>
-            <p:ph type="title"/>
-          </p:nvPr>
-        </p:nvSpPr>
-        <p:spPr>
-          <a:xfrm>
-            <a:off x="755650" y="158820"/>
-            <a:ext cx="8137525" cy="707886"/>
-          </a:xfrm>
-        </p:spPr>
-        <p:txBody>
-          <a:bodyPr/>
-          <a:lstStyle/>
-          <a:p>
-            <a:r>
-              <a:rPr lang="en-US" altLang="ko-KR"/>
-              <a:t>CS2 </a:t>
-            </a:r>
-            <a:r>
-              <a:rPr lang="ko-KR" altLang="en-US"/>
-              <a:t>속도 개선</a:t>
-            </a:r>
-            <a:endParaRPr lang="ko-KR" altLang="en-US" dirty="0"/>
-          </a:p>
-        </p:txBody>
-      </p:sp>
-      <p:sp>
-        <p:nvSpPr>
-          <p:cNvPr id="5" name="직사각형 4">
-            <a:extLst>
-              <a:ext uri="{FF2B5EF4-FFF2-40B4-BE49-F238E27FC236}">
-                <a16:creationId xmlns:a16="http://schemas.microsoft.com/office/drawing/2014/main" id="{20929AC6-F120-4B30-B324-644C69EC00E7}"/>
-              </a:ext>
-            </a:extLst>
-          </p:cNvPr>
-          <p:cNvSpPr/>
-          <p:nvPr/>
-        </p:nvSpPr>
-        <p:spPr>
-          <a:xfrm>
-            <a:off x="1489157" y="1628800"/>
-            <a:ext cx="6912768" cy="1569660"/>
-          </a:xfrm>
-          <a:prstGeom prst="rect">
-            <a:avLst/>
-          </a:prstGeom>
-          <a:solidFill>
-            <a:srgbClr val="FFFF99"/>
-          </a:solidFill>
-          <a:ln w="19050">
-            <a:noFill/>
-          </a:ln>
-        </p:spPr>
-        <p:style>
-          <a:lnRef idx="2">
-            <a:schemeClr val="accent1">
-              <a:shade val="50000"/>
-            </a:schemeClr>
-          </a:lnRef>
-          <a:fillRef idx="1">
-            <a:schemeClr val="accent1"/>
-          </a:fillRef>
-          <a:effectRef idx="0">
-            <a:schemeClr val="accent1"/>
-          </a:effectRef>
-          <a:fontRef idx="minor">
-            <a:schemeClr val="lt1"/>
-          </a:fontRef>
-        </p:style>
-        <p:txBody>
-          <a:bodyPr rot="0" spcFirstLastPara="0" vertOverflow="overflow" horzOverflow="overflow" vert="horz" wrap="square" lIns="91440" tIns="45720" rIns="91440" bIns="45720" numCol="1" spcCol="0" rtlCol="0" fromWordArt="0" anchor="t" anchorCtr="0" forceAA="0" compatLnSpc="1">
-            <a:prstTxWarp prst="textNoShape">
-              <a:avLst/>
-            </a:prstTxWarp>
-            <a:spAutoFit/>
-          </a:bodyPr>
-          <a:lstStyle/>
-          <a:p>
-            <a:r>
-              <a:rPr lang="en-US" altLang="ko-KR" sz="1200">
-                <a:solidFill>
-                  <a:schemeClr val="tx1"/>
-                </a:solidFill>
-                <a:latin typeface="나눔스퀘어 Bold" panose="020B0600000101010101" pitchFamily="50" charset="-127"/>
-                <a:ea typeface="나눔스퀘어 Bold" panose="020B0600000101010101" pitchFamily="50" charset="-127"/>
-              </a:rPr>
-              <a:t>//Apache2</a:t>
-            </a:r>
-          </a:p>
-          <a:p>
-            <a:r>
-              <a:rPr lang="en-US" altLang="ko-KR" sz="1200">
-                <a:solidFill>
-                  <a:schemeClr val="tx1"/>
-                </a:solidFill>
-                <a:latin typeface="나눔스퀘어 Bold" panose="020B0600000101010101" pitchFamily="50" charset="-127"/>
-                <a:ea typeface="나눔스퀘어 Bold" panose="020B0600000101010101" pitchFamily="50" charset="-127"/>
-              </a:rPr>
-              <a:t>$sudo apt-get install apache2</a:t>
-            </a:r>
-          </a:p>
-          <a:p>
-            <a:endParaRPr lang="en-US" altLang="ko-KR" sz="1200">
-              <a:solidFill>
-                <a:schemeClr val="tx1"/>
-              </a:solidFill>
-              <a:latin typeface="나눔스퀘어 Bold" panose="020B0600000101010101" pitchFamily="50" charset="-127"/>
-              <a:ea typeface="나눔스퀘어 Bold" panose="020B0600000101010101" pitchFamily="50" charset="-127"/>
-            </a:endParaRPr>
-          </a:p>
-          <a:p>
-            <a:r>
-              <a:rPr lang="en-US" altLang="ko-KR" sz="1200">
-                <a:solidFill>
-                  <a:schemeClr val="tx1"/>
-                </a:solidFill>
-                <a:latin typeface="나눔스퀘어 Bold" panose="020B0600000101010101" pitchFamily="50" charset="-127"/>
-                <a:ea typeface="나눔스퀘어 Bold" panose="020B0600000101010101" pitchFamily="50" charset="-127"/>
-              </a:rPr>
-              <a:t>//Mysql</a:t>
-            </a:r>
-          </a:p>
-          <a:p>
-            <a:r>
-              <a:rPr lang="en-US" altLang="ko-KR" sz="1200">
-                <a:solidFill>
-                  <a:schemeClr val="tx1"/>
-                </a:solidFill>
-                <a:latin typeface="나눔스퀘어 Bold" panose="020B0600000101010101" pitchFamily="50" charset="-127"/>
-                <a:ea typeface="나눔스퀘어 Bold" panose="020B0600000101010101" pitchFamily="50" charset="-127"/>
-              </a:rPr>
-              <a:t>$sudo apt-get install mysql-server</a:t>
-            </a:r>
-            <a:br>
-              <a:rPr lang="en-US" altLang="ko-KR" sz="1200">
-                <a:solidFill>
-                  <a:schemeClr val="tx1"/>
-                </a:solidFill>
-                <a:latin typeface="나눔스퀘어 Bold" panose="020B0600000101010101" pitchFamily="50" charset="-127"/>
-                <a:ea typeface="나눔스퀘어 Bold" panose="020B0600000101010101" pitchFamily="50" charset="-127"/>
-              </a:rPr>
-            </a:br>
-            <a:endParaRPr lang="en-US" altLang="ko-KR" sz="1200">
-              <a:solidFill>
-                <a:schemeClr val="tx1"/>
-              </a:solidFill>
-              <a:latin typeface="나눔스퀘어 Bold" panose="020B0600000101010101" pitchFamily="50" charset="-127"/>
-              <a:ea typeface="나눔스퀘어 Bold" panose="020B0600000101010101" pitchFamily="50" charset="-127"/>
-            </a:endParaRPr>
-          </a:p>
-          <a:p>
-            <a:r>
-              <a:rPr lang="en-US" altLang="ko-KR" sz="1200">
-                <a:solidFill>
-                  <a:schemeClr val="tx1"/>
-                </a:solidFill>
-                <a:latin typeface="나눔스퀘어 Bold" panose="020B0600000101010101" pitchFamily="50" charset="-127"/>
-                <a:ea typeface="나눔스퀘어 Bold" panose="020B0600000101010101" pitchFamily="50" charset="-127"/>
-              </a:rPr>
-              <a:t>//php</a:t>
-            </a:r>
-          </a:p>
-          <a:p>
-            <a:r>
-              <a:rPr lang="en-US" altLang="ko-KR" sz="1200">
-                <a:solidFill>
-                  <a:schemeClr val="tx1"/>
-                </a:solidFill>
-                <a:latin typeface="나눔스퀘어 Bold" panose="020B0600000101010101" pitchFamily="50" charset="-127"/>
-                <a:ea typeface="나눔스퀘어 Bold" panose="020B0600000101010101" pitchFamily="50" charset="-127"/>
-              </a:rPr>
-              <a:t>$sudo apt-get install php libapache2-mod-php php-xml php-gd php-mysql</a:t>
-            </a:r>
-            <a:endParaRPr lang="ko-KR" altLang="en-US" sz="1200">
-              <a:solidFill>
-                <a:schemeClr val="tx1"/>
-              </a:solidFill>
-              <a:latin typeface="나눔스퀘어 Bold" panose="020B0600000101010101" pitchFamily="50" charset="-127"/>
-              <a:ea typeface="나눔스퀘어 Bold" panose="020B0600000101010101" pitchFamily="50" charset="-127"/>
-            </a:endParaRPr>
-          </a:p>
-        </p:txBody>
-      </p:sp>
-      <p:sp>
-        <p:nvSpPr>
-          <p:cNvPr id="6" name="직사각형 5">
-            <a:extLst>
-              <a:ext uri="{FF2B5EF4-FFF2-40B4-BE49-F238E27FC236}">
-                <a16:creationId xmlns:a16="http://schemas.microsoft.com/office/drawing/2014/main" id="{59F0A8D5-550C-48B7-85AB-5F3B4F4617BE}"/>
-              </a:ext>
-            </a:extLst>
-          </p:cNvPr>
-          <p:cNvSpPr/>
-          <p:nvPr/>
-        </p:nvSpPr>
-        <p:spPr>
-          <a:xfrm>
-            <a:off x="1489157" y="3774524"/>
-            <a:ext cx="6912768" cy="523220"/>
-          </a:xfrm>
-          <a:prstGeom prst="rect">
-            <a:avLst/>
-          </a:prstGeom>
-          <a:solidFill>
-            <a:srgbClr val="FFFF99"/>
-          </a:solidFill>
-          <a:ln w="19050">
-            <a:noFill/>
-          </a:ln>
-        </p:spPr>
-        <p:style>
-          <a:lnRef idx="2">
-            <a:schemeClr val="accent1">
-              <a:shade val="50000"/>
-            </a:schemeClr>
-          </a:lnRef>
-          <a:fillRef idx="1">
-            <a:schemeClr val="accent1"/>
-          </a:fillRef>
-          <a:effectRef idx="0">
-            <a:schemeClr val="accent1"/>
-          </a:effectRef>
-          <a:fontRef idx="minor">
-            <a:schemeClr val="lt1"/>
-          </a:fontRef>
-        </p:style>
-        <p:txBody>
-          <a:bodyPr rot="0" spcFirstLastPara="0" vertOverflow="overflow" horzOverflow="overflow" vert="horz" wrap="square" lIns="91440" tIns="45720" rIns="91440" bIns="45720" numCol="1" spcCol="0" rtlCol="0" fromWordArt="0" anchor="t" anchorCtr="0" forceAA="0" compatLnSpc="1">
-            <a:prstTxWarp prst="textNoShape">
-              <a:avLst/>
-            </a:prstTxWarp>
-            <a:spAutoFit/>
-          </a:bodyPr>
-          <a:lstStyle/>
-          <a:p>
-            <a:r>
-              <a:rPr lang="en-US" altLang="ko-KR" sz="1400">
-                <a:solidFill>
-                  <a:schemeClr val="tx1"/>
-                </a:solidFill>
-                <a:latin typeface="나눔스퀘어 Bold" panose="020B0600000101010101" pitchFamily="50" charset="-127"/>
-                <a:ea typeface="나눔스퀘어 Bold" panose="020B0600000101010101" pitchFamily="50" charset="-127"/>
-              </a:rPr>
-              <a:t>$tar</a:t>
-            </a:r>
-            <a:r>
-              <a:rPr lang="ko-KR" altLang="en-US" sz="1400">
-                <a:solidFill>
-                  <a:schemeClr val="tx1"/>
-                </a:solidFill>
-                <a:latin typeface="나눔스퀘어 Bold" panose="020B0600000101010101" pitchFamily="50" charset="-127"/>
-                <a:ea typeface="나눔스퀘어 Bold" panose="020B0600000101010101" pitchFamily="50" charset="-127"/>
-              </a:rPr>
-              <a:t> </a:t>
-            </a:r>
-            <a:r>
-              <a:rPr lang="en-US" altLang="ko-KR" sz="1400">
-                <a:solidFill>
-                  <a:schemeClr val="tx1"/>
-                </a:solidFill>
-                <a:latin typeface="나눔스퀘어 Bold" panose="020B0600000101010101" pitchFamily="50" charset="-127"/>
-                <a:ea typeface="나눔스퀘어 Bold" panose="020B0600000101010101" pitchFamily="50" charset="-127"/>
-              </a:rPr>
-              <a:t>-xvpf   </a:t>
-            </a:r>
-            <a:r>
-              <a:rPr lang="ko-KR" altLang="en-US" sz="1400">
-                <a:solidFill>
-                  <a:schemeClr val="tx1"/>
-                </a:solidFill>
-                <a:latin typeface="나눔스퀘어 Bold" panose="020B0600000101010101" pitchFamily="50" charset="-127"/>
-                <a:ea typeface="나눔스퀘어 Bold" panose="020B0600000101010101" pitchFamily="50" charset="-127"/>
-              </a:rPr>
-              <a:t>파일명</a:t>
-            </a:r>
-            <a:r>
-              <a:rPr lang="en-US" altLang="ko-KR" sz="1400">
-                <a:solidFill>
-                  <a:schemeClr val="tx1"/>
-                </a:solidFill>
-                <a:latin typeface="나눔스퀘어 Bold" panose="020B0600000101010101" pitchFamily="50" charset="-127"/>
-                <a:ea typeface="나눔스퀘어 Bold" panose="020B0600000101010101" pitchFamily="50" charset="-127"/>
-              </a:rPr>
-              <a:t>.tar.gz</a:t>
-            </a:r>
-          </a:p>
-          <a:p>
-            <a:r>
-              <a:rPr lang="en-US" altLang="ko-KR" sz="1400">
-                <a:solidFill>
-                  <a:schemeClr val="tx1"/>
-                </a:solidFill>
-                <a:latin typeface="나눔스퀘어 Bold" panose="020B0600000101010101" pitchFamily="50" charset="-127"/>
-                <a:ea typeface="나눔스퀘어 Bold" panose="020B0600000101010101" pitchFamily="50" charset="-127"/>
-              </a:rPr>
-              <a:t>$mv </a:t>
-            </a:r>
-            <a:r>
-              <a:rPr lang="ko-KR" altLang="en-US" sz="1400">
-                <a:solidFill>
-                  <a:schemeClr val="tx1"/>
-                </a:solidFill>
-                <a:latin typeface="나눔스퀘어 Bold" panose="020B0600000101010101" pitchFamily="50" charset="-127"/>
-                <a:ea typeface="나눔스퀘어 Bold" panose="020B0600000101010101" pitchFamily="50" charset="-127"/>
-              </a:rPr>
-              <a:t>파일명 </a:t>
-            </a:r>
-            <a:r>
-              <a:rPr lang="en-US" altLang="ko-KR" sz="1400">
-                <a:solidFill>
-                  <a:schemeClr val="tx1"/>
-                </a:solidFill>
-                <a:latin typeface="나눔스퀘어 Bold" panose="020B0600000101010101" pitchFamily="50" charset="-127"/>
-                <a:ea typeface="나눔스퀘어 Bold" panose="020B0600000101010101" pitchFamily="50" charset="-127"/>
-              </a:rPr>
-              <a:t>/var/www/</a:t>
-            </a:r>
-            <a:endParaRPr lang="ko-KR" altLang="en-US" sz="1400">
-              <a:solidFill>
-                <a:schemeClr val="tx1"/>
-              </a:solidFill>
-              <a:latin typeface="나눔스퀘어 Bold" panose="020B0600000101010101" pitchFamily="50" charset="-127"/>
-              <a:ea typeface="나눔스퀘어 Bold" panose="020B0600000101010101" pitchFamily="50" charset="-127"/>
-            </a:endParaRPr>
-          </a:p>
-        </p:txBody>
-      </p:sp>
-      <p:sp>
-        <p:nvSpPr>
-          <p:cNvPr id="7" name="직사각형 6">
-            <a:extLst>
-              <a:ext uri="{FF2B5EF4-FFF2-40B4-BE49-F238E27FC236}">
-                <a16:creationId xmlns:a16="http://schemas.microsoft.com/office/drawing/2014/main" id="{19D51F17-52EB-4AB3-8475-714BBD903C51}"/>
-              </a:ext>
-            </a:extLst>
-          </p:cNvPr>
-          <p:cNvSpPr/>
-          <p:nvPr/>
-        </p:nvSpPr>
-        <p:spPr>
-          <a:xfrm>
-            <a:off x="1489157" y="5075311"/>
-            <a:ext cx="6912768" cy="307777"/>
-          </a:xfrm>
-          <a:prstGeom prst="rect">
-            <a:avLst/>
-          </a:prstGeom>
-          <a:solidFill>
-            <a:srgbClr val="FFFF99"/>
-          </a:solidFill>
-          <a:ln w="19050">
-            <a:noFill/>
-          </a:ln>
-        </p:spPr>
-        <p:style>
-          <a:lnRef idx="2">
-            <a:schemeClr val="accent1">
-              <a:shade val="50000"/>
-            </a:schemeClr>
-          </a:lnRef>
-          <a:fillRef idx="1">
-            <a:schemeClr val="accent1"/>
-          </a:fillRef>
-          <a:effectRef idx="0">
-            <a:schemeClr val="accent1"/>
-          </a:effectRef>
-          <a:fontRef idx="minor">
-            <a:schemeClr val="lt1"/>
-          </a:fontRef>
-        </p:style>
-        <p:txBody>
-          <a:bodyPr rot="0" spcFirstLastPara="0" vertOverflow="overflow" horzOverflow="overflow" vert="horz" wrap="square" lIns="91440" tIns="45720" rIns="91440" bIns="45720" numCol="1" spcCol="0" rtlCol="0" fromWordArt="0" anchor="t" anchorCtr="0" forceAA="0" compatLnSpc="1">
-            <a:prstTxWarp prst="textNoShape">
-              <a:avLst/>
-            </a:prstTxWarp>
-            <a:spAutoFit/>
-          </a:bodyPr>
-          <a:lstStyle/>
-          <a:p>
-            <a:r>
-              <a:rPr lang="en-US" altLang="ko-KR" sz="1400">
-                <a:solidFill>
-                  <a:schemeClr val="tx1"/>
-                </a:solidFill>
-                <a:latin typeface="나눔스퀘어 Bold" panose="020B0600000101010101" pitchFamily="50" charset="-127"/>
-                <a:ea typeface="나눔스퀘어 Bold" panose="020B0600000101010101" pitchFamily="50" charset="-127"/>
-              </a:rPr>
-              <a:t>$mysqldump -uroot -p &lt; __________.sql </a:t>
-            </a:r>
-            <a:endParaRPr lang="ko-KR" altLang="en-US" sz="1400">
-              <a:solidFill>
-                <a:schemeClr val="tx1"/>
-              </a:solidFill>
-              <a:latin typeface="나눔스퀘어 Bold" panose="020B0600000101010101" pitchFamily="50" charset="-127"/>
-              <a:ea typeface="나눔스퀘어 Bold" panose="020B0600000101010101" pitchFamily="50" charset="-127"/>
-            </a:endParaRPr>
-          </a:p>
-        </p:txBody>
-      </p:sp>
-    </p:spTree>
-    <p:extLst>
-      <p:ext uri="{BB962C8B-B14F-4D97-AF65-F5344CB8AC3E}">
-        <p14:creationId xmlns:p14="http://schemas.microsoft.com/office/powerpoint/2010/main" val="1855678178"/>
-      </p:ext>
-    </p:extLst>
-  </p:cSld>
-  <p:clrMapOvr>
-    <a:masterClrMapping/>
-  </p:clrMapOvr>
-</p:sld>
-</file>
-
-<file path=ppt/slides/slide11.xml><?xml version="1.0" encoding="utf-8"?>
-<p:sld xmlns:a="http://schemas.openxmlformats.org/drawingml/2006/main" xmlns:r="http://schemas.openxmlformats.org/officeDocument/2006/relationships" xmlns:p="http://schemas.openxmlformats.org/presentationml/2006/main">
-  <p:cSld>
-    <p:spTree>
-      <p:nvGrpSpPr>
-        <p:cNvPr id="1" name=""/>
-        <p:cNvGrpSpPr/>
-        <p:nvPr/>
-      </p:nvGrpSpPr>
-      <p:grpSpPr>
-        <a:xfrm>
-          <a:off x="0" y="0"/>
-          <a:ext cx="0" cy="0"/>
-          <a:chOff x="0" y="0"/>
-          <a:chExt cx="0" cy="0"/>
-        </a:xfrm>
-      </p:grpSpPr>
-      <p:sp>
-        <p:nvSpPr>
-          <p:cNvPr id="9" name="내용 개체 틀 2">
-            <a:extLst>
-              <a:ext uri="{FF2B5EF4-FFF2-40B4-BE49-F238E27FC236}">
-                <a16:creationId xmlns:a16="http://schemas.microsoft.com/office/drawing/2014/main" id="{0371F4DB-13CD-47C3-B2A8-AE9E160ACFE1}"/>
-              </a:ext>
-            </a:extLst>
-          </p:cNvPr>
-          <p:cNvSpPr>
-            <a:spLocks noGrp="1"/>
-          </p:cNvSpPr>
-          <p:nvPr>
-            <p:ph idx="1"/>
-          </p:nvPr>
-        </p:nvSpPr>
-        <p:spPr>
-          <a:xfrm>
-            <a:off x="898237" y="1052736"/>
-            <a:ext cx="8055254" cy="5646444"/>
-          </a:xfrm>
-        </p:spPr>
-        <p:txBody>
-          <a:bodyPr>
-            <a:normAutofit/>
-          </a:bodyPr>
-          <a:lstStyle/>
-          <a:p>
-            <a:r>
-              <a:rPr lang="ko-KR" altLang="en-US" sz="2400"/>
-              <a:t>복원 된 </a:t>
-            </a:r>
-            <a:r>
-              <a:rPr lang="en-US" altLang="ko-KR" sz="2400"/>
-              <a:t>DB </a:t>
-            </a:r>
-            <a:r>
-              <a:rPr lang="ko-KR" altLang="en-US" sz="2400"/>
-              <a:t>확인</a:t>
-            </a:r>
-            <a:endParaRPr lang="en-US" altLang="ko-KR" sz="2000"/>
-          </a:p>
-        </p:txBody>
-      </p:sp>
-      <p:sp>
-        <p:nvSpPr>
-          <p:cNvPr id="2" name="제목 1"/>
-          <p:cNvSpPr>
-            <a:spLocks noGrp="1"/>
-          </p:cNvSpPr>
-          <p:nvPr>
-            <p:ph type="title"/>
-          </p:nvPr>
-        </p:nvSpPr>
-        <p:spPr>
-          <a:xfrm>
-            <a:off x="755650" y="158820"/>
-            <a:ext cx="8137525" cy="707886"/>
-          </a:xfrm>
-        </p:spPr>
-        <p:txBody>
-          <a:bodyPr/>
-          <a:lstStyle/>
-          <a:p>
-            <a:r>
-              <a:rPr lang="en-US" altLang="ko-KR"/>
-              <a:t>CS2 </a:t>
-            </a:r>
-            <a:r>
-              <a:rPr lang="ko-KR" altLang="en-US"/>
-              <a:t>속도 개선</a:t>
-            </a:r>
-            <a:endParaRPr lang="ko-KR" altLang="en-US" dirty="0"/>
-          </a:p>
-        </p:txBody>
-      </p:sp>
-      <p:sp>
-        <p:nvSpPr>
-          <p:cNvPr id="4" name="직사각형 3">
-            <a:extLst>
-              <a:ext uri="{FF2B5EF4-FFF2-40B4-BE49-F238E27FC236}">
-                <a16:creationId xmlns:a16="http://schemas.microsoft.com/office/drawing/2014/main" id="{68BDF848-5662-4AB9-B510-498282D051F3}"/>
-              </a:ext>
-            </a:extLst>
-          </p:cNvPr>
-          <p:cNvSpPr/>
-          <p:nvPr/>
-        </p:nvSpPr>
-        <p:spPr>
-          <a:xfrm>
-            <a:off x="1489157" y="1628800"/>
-            <a:ext cx="6912768" cy="954107"/>
-          </a:xfrm>
-          <a:prstGeom prst="rect">
-            <a:avLst/>
-          </a:prstGeom>
-          <a:solidFill>
-            <a:srgbClr val="FFFF99"/>
-          </a:solidFill>
-          <a:ln w="19050">
-            <a:noFill/>
-          </a:ln>
-        </p:spPr>
-        <p:style>
-          <a:lnRef idx="2">
-            <a:schemeClr val="accent1">
-              <a:shade val="50000"/>
-            </a:schemeClr>
-          </a:lnRef>
-          <a:fillRef idx="1">
-            <a:schemeClr val="accent1"/>
-          </a:fillRef>
-          <a:effectRef idx="0">
-            <a:schemeClr val="accent1"/>
-          </a:effectRef>
-          <a:fontRef idx="minor">
-            <a:schemeClr val="lt1"/>
-          </a:fontRef>
-        </p:style>
-        <p:txBody>
-          <a:bodyPr rot="0" spcFirstLastPara="0" vertOverflow="overflow" horzOverflow="overflow" vert="horz" wrap="square" lIns="91440" tIns="45720" rIns="91440" bIns="45720" numCol="1" spcCol="0" rtlCol="0" fromWordArt="0" anchor="t" anchorCtr="0" forceAA="0" compatLnSpc="1">
-            <a:prstTxWarp prst="textNoShape">
-              <a:avLst/>
-            </a:prstTxWarp>
-            <a:spAutoFit/>
-          </a:bodyPr>
-          <a:lstStyle/>
-          <a:p>
-            <a:r>
-              <a:rPr lang="en-US" altLang="ko-KR" sz="1400">
-                <a:solidFill>
-                  <a:schemeClr val="tx1"/>
-                </a:solidFill>
-                <a:latin typeface="나눔스퀘어 Bold" panose="020B0600000101010101" pitchFamily="50" charset="-127"/>
-                <a:ea typeface="나눔스퀘어 Bold" panose="020B0600000101010101" pitchFamily="50" charset="-127"/>
-              </a:rPr>
-              <a:t>$mysql</a:t>
-            </a:r>
-            <a:r>
-              <a:rPr lang="ko-KR" altLang="en-US" sz="1400">
-                <a:solidFill>
-                  <a:schemeClr val="tx1"/>
-                </a:solidFill>
-                <a:latin typeface="나눔스퀘어 Bold" panose="020B0600000101010101" pitchFamily="50" charset="-127"/>
-                <a:ea typeface="나눔스퀘어 Bold" panose="020B0600000101010101" pitchFamily="50" charset="-127"/>
-              </a:rPr>
-              <a:t> </a:t>
-            </a:r>
-            <a:r>
-              <a:rPr lang="en-US" altLang="ko-KR" sz="1400">
-                <a:solidFill>
-                  <a:schemeClr val="tx1"/>
-                </a:solidFill>
-                <a:latin typeface="나눔스퀘어 Bold" panose="020B0600000101010101" pitchFamily="50" charset="-127"/>
-                <a:ea typeface="나눔스퀘어 Bold" panose="020B0600000101010101" pitchFamily="50" charset="-127"/>
-              </a:rPr>
-              <a:t>-uroot</a:t>
-            </a:r>
-            <a:r>
-              <a:rPr lang="ko-KR" altLang="en-US" sz="1400">
-                <a:solidFill>
-                  <a:schemeClr val="tx1"/>
-                </a:solidFill>
-                <a:latin typeface="나눔스퀘어 Bold" panose="020B0600000101010101" pitchFamily="50" charset="-127"/>
-                <a:ea typeface="나눔스퀘어 Bold" panose="020B0600000101010101" pitchFamily="50" charset="-127"/>
-              </a:rPr>
-              <a:t> </a:t>
-            </a:r>
-            <a:r>
-              <a:rPr lang="en-US" altLang="ko-KR" sz="1400">
-                <a:solidFill>
-                  <a:schemeClr val="tx1"/>
-                </a:solidFill>
-                <a:latin typeface="나눔스퀘어 Bold" panose="020B0600000101010101" pitchFamily="50" charset="-127"/>
-                <a:ea typeface="나눔스퀘어 Bold" panose="020B0600000101010101" pitchFamily="50" charset="-127"/>
-              </a:rPr>
-              <a:t>-p</a:t>
-            </a:r>
-          </a:p>
-          <a:p>
-            <a:r>
-              <a:rPr lang="en-US" altLang="ko-KR" sz="1400">
-                <a:solidFill>
-                  <a:schemeClr val="tx1"/>
-                </a:solidFill>
-                <a:latin typeface="나눔스퀘어 Bold" panose="020B0600000101010101" pitchFamily="50" charset="-127"/>
-                <a:ea typeface="나눔스퀘어 Bold" panose="020B0600000101010101" pitchFamily="50" charset="-127"/>
-              </a:rPr>
-              <a:t>//</a:t>
-            </a:r>
-            <a:r>
-              <a:rPr lang="ko-KR" altLang="en-US" sz="1400">
-                <a:solidFill>
-                  <a:schemeClr val="tx1"/>
-                </a:solidFill>
-                <a:latin typeface="나눔스퀘어 Bold" panose="020B0600000101010101" pitchFamily="50" charset="-127"/>
-                <a:ea typeface="나눔스퀘어 Bold" panose="020B0600000101010101" pitchFamily="50" charset="-127"/>
-              </a:rPr>
-              <a:t>비밀번호 입력</a:t>
-            </a:r>
-            <a:endParaRPr lang="en-US" altLang="ko-KR" sz="1400">
-              <a:solidFill>
-                <a:schemeClr val="tx1"/>
-              </a:solidFill>
-              <a:latin typeface="나눔스퀘어 Bold" panose="020B0600000101010101" pitchFamily="50" charset="-127"/>
-              <a:ea typeface="나눔스퀘어 Bold" panose="020B0600000101010101" pitchFamily="50" charset="-127"/>
-            </a:endParaRPr>
-          </a:p>
-          <a:p>
-            <a:endParaRPr lang="en-US" altLang="ko-KR" sz="1400">
-              <a:solidFill>
-                <a:schemeClr val="tx1"/>
-              </a:solidFill>
-              <a:latin typeface="나눔스퀘어 Bold" panose="020B0600000101010101" pitchFamily="50" charset="-127"/>
-              <a:ea typeface="나눔스퀘어 Bold" panose="020B0600000101010101" pitchFamily="50" charset="-127"/>
-            </a:endParaRPr>
-          </a:p>
-          <a:p>
-            <a:r>
-              <a:rPr lang="en-US" altLang="ko-KR" sz="1400">
-                <a:solidFill>
-                  <a:schemeClr val="tx1"/>
-                </a:solidFill>
-                <a:latin typeface="나눔스퀘어 Bold" panose="020B0600000101010101" pitchFamily="50" charset="-127"/>
-                <a:ea typeface="나눔스퀘어 Bold" panose="020B0600000101010101" pitchFamily="50" charset="-127"/>
-              </a:rPr>
-              <a:t>mysql&gt; SHOW databases;</a:t>
-            </a:r>
-            <a:endParaRPr lang="ko-KR" altLang="en-US" sz="1400">
-              <a:solidFill>
-                <a:schemeClr val="tx1"/>
-              </a:solidFill>
-              <a:latin typeface="나눔스퀘어 Bold" panose="020B0600000101010101" pitchFamily="50" charset="-127"/>
-              <a:ea typeface="나눔스퀘어 Bold" panose="020B0600000101010101" pitchFamily="50" charset="-127"/>
-            </a:endParaRPr>
-          </a:p>
-        </p:txBody>
-      </p:sp>
-      <p:pic>
-        <p:nvPicPr>
-          <p:cNvPr id="3" name="그림 2">
-            <a:extLst>
-              <a:ext uri="{FF2B5EF4-FFF2-40B4-BE49-F238E27FC236}">
-                <a16:creationId xmlns:a16="http://schemas.microsoft.com/office/drawing/2014/main" id="{2A44F7AE-240C-4DC1-81AE-0977CCB4632A}"/>
-              </a:ext>
-            </a:extLst>
-          </p:cNvPr>
-          <p:cNvPicPr>
-            <a:picLocks noChangeAspect="1"/>
-          </p:cNvPicPr>
-          <p:nvPr/>
-        </p:nvPicPr>
-        <p:blipFill>
-          <a:blip r:embed="rId3"/>
-          <a:stretch>
-            <a:fillRect/>
-          </a:stretch>
-        </p:blipFill>
-        <p:spPr>
-          <a:xfrm>
-            <a:off x="1619672" y="2762749"/>
-            <a:ext cx="5112568" cy="3704994"/>
-          </a:xfrm>
-          <a:prstGeom prst="rect">
-            <a:avLst/>
-          </a:prstGeom>
-        </p:spPr>
-      </p:pic>
-      <p:sp>
-        <p:nvSpPr>
-          <p:cNvPr id="5" name="직사각형 4">
-            <a:extLst>
-              <a:ext uri="{FF2B5EF4-FFF2-40B4-BE49-F238E27FC236}">
-                <a16:creationId xmlns:a16="http://schemas.microsoft.com/office/drawing/2014/main" id="{FDD56F5C-2DB4-4DD9-A237-BEA8652F8032}"/>
-              </a:ext>
-            </a:extLst>
-          </p:cNvPr>
-          <p:cNvSpPr/>
-          <p:nvPr/>
-        </p:nvSpPr>
-        <p:spPr>
-          <a:xfrm>
-            <a:off x="1619672" y="5949280"/>
-            <a:ext cx="1440160" cy="216024"/>
-          </a:xfrm>
-          <a:prstGeom prst="rect">
-            <a:avLst/>
-          </a:prstGeom>
-          <a:noFill/>
-          <a:ln w="25400">
-            <a:solidFill>
-              <a:srgbClr val="FF0000"/>
-            </a:solidFill>
-          </a:ln>
-        </p:spPr>
-        <p:style>
-          <a:lnRef idx="2">
-            <a:schemeClr val="accent1">
-              <a:shade val="50000"/>
-            </a:schemeClr>
-          </a:lnRef>
-          <a:fillRef idx="1">
-            <a:schemeClr val="accent1"/>
-          </a:fillRef>
-          <a:effectRef idx="0">
-            <a:schemeClr val="accent1"/>
-          </a:effectRef>
-          <a:fontRef idx="minor">
-            <a:schemeClr val="lt1"/>
-          </a:fontRef>
-        </p:style>
-        <p:txBody>
-          <a:bodyPr rot="0" spcFirstLastPara="0" vertOverflow="overflow" horzOverflow="overflow" vert="horz" wrap="square" lIns="91440" tIns="45720" rIns="91440" bIns="45720" numCol="1" spcCol="0" rtlCol="0" fromWordArt="0" anchor="t" anchorCtr="0" forceAA="0" compatLnSpc="1">
-            <a:prstTxWarp prst="textNoShape">
-              <a:avLst/>
-            </a:prstTxWarp>
-            <a:spAutoFit/>
-          </a:bodyPr>
-          <a:lstStyle/>
-          <a:p>
-            <a:pPr algn="l"/>
-            <a:endParaRPr lang="ko-KR" altLang="en-US" sz="1400">
-              <a:solidFill>
-                <a:schemeClr val="tx1"/>
-              </a:solidFill>
-              <a:latin typeface="나눔스퀘어 Bold" panose="020B0600000101010101" pitchFamily="50" charset="-127"/>
-              <a:ea typeface="나눔스퀘어 Bold" panose="020B0600000101010101" pitchFamily="50" charset="-127"/>
-            </a:endParaRPr>
-          </a:p>
-        </p:txBody>
-      </p:sp>
-      <p:sp>
-        <p:nvSpPr>
-          <p:cNvPr id="7" name="직사각형 6">
-            <a:extLst>
-              <a:ext uri="{FF2B5EF4-FFF2-40B4-BE49-F238E27FC236}">
-                <a16:creationId xmlns:a16="http://schemas.microsoft.com/office/drawing/2014/main" id="{EF11F867-3F4A-48ED-B36F-60BBF78B9EE1}"/>
-              </a:ext>
-            </a:extLst>
-          </p:cNvPr>
-          <p:cNvSpPr/>
-          <p:nvPr/>
-        </p:nvSpPr>
-        <p:spPr>
-          <a:xfrm>
-            <a:off x="2627784" y="3332366"/>
-            <a:ext cx="1224136" cy="144016"/>
-          </a:xfrm>
-          <a:prstGeom prst="rect">
-            <a:avLst/>
-          </a:prstGeom>
-          <a:solidFill>
-            <a:schemeClr val="bg1"/>
-          </a:solidFill>
-          <a:ln w="19050">
-            <a:noFill/>
-          </a:ln>
-        </p:spPr>
-        <p:style>
-          <a:lnRef idx="2">
-            <a:schemeClr val="accent1">
-              <a:shade val="50000"/>
-            </a:schemeClr>
-          </a:lnRef>
-          <a:fillRef idx="1">
-            <a:schemeClr val="accent1"/>
-          </a:fillRef>
-          <a:effectRef idx="0">
-            <a:schemeClr val="accent1"/>
-          </a:effectRef>
-          <a:fontRef idx="minor">
-            <a:schemeClr val="lt1"/>
-          </a:fontRef>
-        </p:style>
-        <p:txBody>
-          <a:bodyPr rot="0" spcFirstLastPara="0" vertOverflow="overflow" horzOverflow="overflow" vert="horz" wrap="square" lIns="91440" tIns="45720" rIns="91440" bIns="45720" numCol="1" spcCol="0" rtlCol="0" fromWordArt="0" anchor="t" anchorCtr="0" forceAA="0" compatLnSpc="1">
-            <a:prstTxWarp prst="textNoShape">
-              <a:avLst/>
-            </a:prstTxWarp>
-            <a:spAutoFit/>
-          </a:bodyPr>
-          <a:lstStyle/>
-          <a:p>
-            <a:pPr algn="l"/>
-            <a:endParaRPr lang="ko-KR" altLang="en-US" sz="1400">
-              <a:solidFill>
-                <a:schemeClr val="tx1"/>
-              </a:solidFill>
-              <a:latin typeface="나눔스퀘어 Bold" panose="020B0600000101010101" pitchFamily="50" charset="-127"/>
-              <a:ea typeface="나눔스퀘어 Bold" panose="020B0600000101010101" pitchFamily="50" charset="-127"/>
-            </a:endParaRPr>
-          </a:p>
-        </p:txBody>
-      </p:sp>
-    </p:spTree>
-    <p:extLst>
-      <p:ext uri="{BB962C8B-B14F-4D97-AF65-F5344CB8AC3E}">
-        <p14:creationId xmlns:p14="http://schemas.microsoft.com/office/powerpoint/2010/main" val="1576084363"/>
-      </p:ext>
-    </p:extLst>
-  </p:cSld>
-  <p:clrMapOvr>
-    <a:masterClrMapping/>
-  </p:clrMapOvr>
-</p:sld>
-</file>
-
-<file path=ppt/slides/slide12.xml><?xml version="1.0" encoding="utf-8"?>
-<p:sld xmlns:a="http://schemas.openxmlformats.org/drawingml/2006/main" xmlns:r="http://schemas.openxmlformats.org/officeDocument/2006/relationships" xmlns:p="http://schemas.openxmlformats.org/presentationml/2006/main">
-  <p:cSld>
-    <p:spTree>
-      <p:nvGrpSpPr>
-        <p:cNvPr id="1" name=""/>
-        <p:cNvGrpSpPr/>
-        <p:nvPr/>
-      </p:nvGrpSpPr>
-      <p:grpSpPr>
-        <a:xfrm>
-          <a:off x="0" y="0"/>
-          <a:ext cx="0" cy="0"/>
-          <a:chOff x="0" y="0"/>
-          <a:chExt cx="0" cy="0"/>
-        </a:xfrm>
-      </p:grpSpPr>
-      <p:sp>
-        <p:nvSpPr>
-          <p:cNvPr id="9" name="내용 개체 틀 2">
-            <a:extLst>
-              <a:ext uri="{FF2B5EF4-FFF2-40B4-BE49-F238E27FC236}">
-                <a16:creationId xmlns:a16="http://schemas.microsoft.com/office/drawing/2014/main" id="{0371F4DB-13CD-47C3-B2A8-AE9E160ACFE1}"/>
-              </a:ext>
-            </a:extLst>
-          </p:cNvPr>
-          <p:cNvSpPr>
-            <a:spLocks noGrp="1"/>
-          </p:cNvSpPr>
-          <p:nvPr>
-            <p:ph idx="1"/>
-          </p:nvPr>
-        </p:nvSpPr>
-        <p:spPr>
-          <a:xfrm>
-            <a:off x="898237" y="1052736"/>
-            <a:ext cx="8055254" cy="5646444"/>
-          </a:xfrm>
-        </p:spPr>
-        <p:txBody>
-          <a:bodyPr>
-            <a:normAutofit/>
-          </a:bodyPr>
-          <a:lstStyle/>
-          <a:p>
-            <a:r>
-              <a:rPr lang="en-US" altLang="ko-KR" sz="2400"/>
-              <a:t>apache2 root </a:t>
-            </a:r>
-            <a:r>
-              <a:rPr lang="ko-KR" altLang="en-US" sz="2400"/>
-              <a:t>디렉토리 설정</a:t>
-            </a:r>
-            <a:endParaRPr lang="en-US" altLang="ko-KR" sz="2400"/>
-          </a:p>
-          <a:p>
-            <a:endParaRPr lang="en-US" altLang="ko-KR" sz="2400"/>
-          </a:p>
-          <a:p>
-            <a:endParaRPr lang="en-US" altLang="ko-KR" sz="2400"/>
-          </a:p>
-          <a:p>
-            <a:endParaRPr lang="en-US" altLang="ko-KR" sz="2400"/>
-          </a:p>
-          <a:p>
-            <a:pPr marL="0" indent="0">
-              <a:buNone/>
-            </a:pPr>
-            <a:endParaRPr lang="en-US" altLang="ko-KR" sz="2400"/>
-          </a:p>
-          <a:p>
-            <a:pPr lvl="1"/>
-            <a:endParaRPr lang="en-US" altLang="ko-KR" sz="2000"/>
-          </a:p>
-          <a:p>
-            <a:pPr lvl="1"/>
-            <a:endParaRPr lang="en-US" altLang="ko-KR" sz="2000"/>
-          </a:p>
-          <a:p>
-            <a:pPr lvl="1"/>
-            <a:endParaRPr lang="en-US" altLang="ko-KR" sz="2000"/>
-          </a:p>
-          <a:p>
-            <a:pPr lvl="1"/>
-            <a:r>
-              <a:rPr lang="en-US" altLang="ko-KR" sz="2000"/>
-              <a:t>/var/www/html </a:t>
-            </a:r>
-            <a:r>
-              <a:rPr lang="ko-KR" altLang="en-US" sz="2000"/>
-              <a:t>→ </a:t>
-            </a:r>
-            <a:r>
-              <a:rPr lang="en-US" altLang="ko-KR" sz="2000"/>
-              <a:t>/var/www/ </a:t>
-            </a:r>
-            <a:r>
-              <a:rPr lang="ko-KR" altLang="en-US" sz="2000"/>
-              <a:t>로 수정</a:t>
-            </a:r>
-            <a:endParaRPr lang="en-US" altLang="ko-KR" sz="2000"/>
-          </a:p>
-          <a:p>
-            <a:pPr lvl="1"/>
-            <a:r>
-              <a:rPr lang="en-US" altLang="ko-KR" sz="2000"/>
-              <a:t>apache2.conf</a:t>
-            </a:r>
-            <a:r>
-              <a:rPr lang="ko-KR" altLang="en-US" sz="2000"/>
-              <a:t>의 경우</a:t>
-            </a:r>
-            <a:r>
-              <a:rPr lang="en-US" altLang="ko-KR" sz="2000"/>
-              <a:t>, ServerName </a:t>
-            </a:r>
-            <a:r>
-              <a:rPr lang="ko-KR" altLang="en-US" sz="2000"/>
-              <a:t>설정 필요</a:t>
-            </a:r>
-            <a:endParaRPr lang="en-US" altLang="ko-KR" sz="2000"/>
-          </a:p>
-          <a:p>
-            <a:pPr lvl="1"/>
-            <a:endParaRPr lang="en-US" altLang="ko-KR" sz="2000"/>
-          </a:p>
-          <a:p>
-            <a:pPr lvl="1"/>
-            <a:r>
-              <a:rPr lang="ko-KR" altLang="en-US" sz="2000"/>
-              <a:t>만일</a:t>
-            </a:r>
-            <a:r>
-              <a:rPr lang="en-US" altLang="ko-KR" sz="2000"/>
-              <a:t>, </a:t>
-            </a:r>
-            <a:r>
-              <a:rPr lang="ko-KR" altLang="en-US" sz="2000"/>
-              <a:t>위와 다른 특정디렉토리에 </a:t>
-            </a:r>
-            <a:r>
-              <a:rPr lang="en-US" altLang="ko-KR" sz="2000"/>
-              <a:t>wordpress</a:t>
-            </a:r>
-            <a:r>
-              <a:rPr lang="ko-KR" altLang="en-US" sz="2000"/>
-              <a:t>를 두고자 한다면</a:t>
-            </a:r>
-            <a:r>
-              <a:rPr lang="en-US" altLang="ko-KR" sz="2000"/>
-              <a:t>, </a:t>
-            </a:r>
-            <a:r>
-              <a:rPr lang="ko-KR" altLang="en-US" sz="2000"/>
-              <a:t>해당 경로로 설정해주어야 함</a:t>
-            </a:r>
-            <a:r>
-              <a:rPr lang="en-US" altLang="ko-KR" sz="2000"/>
-              <a:t>.</a:t>
-            </a:r>
-            <a:endParaRPr lang="en-US" altLang="ko-KR"/>
-          </a:p>
-          <a:p>
-            <a:pPr lvl="1"/>
-            <a:endParaRPr lang="en-US" altLang="ko-KR" sz="2000"/>
-          </a:p>
-          <a:p>
-            <a:pPr lvl="1"/>
-            <a:endParaRPr lang="en-US" altLang="ko-KR" sz="2000"/>
-          </a:p>
-          <a:p>
-            <a:endParaRPr lang="en-US" altLang="ko-KR" sz="2000"/>
-          </a:p>
-        </p:txBody>
-      </p:sp>
-      <p:sp>
-        <p:nvSpPr>
-          <p:cNvPr id="2" name="제목 1"/>
-          <p:cNvSpPr>
-            <a:spLocks noGrp="1"/>
-          </p:cNvSpPr>
-          <p:nvPr>
-            <p:ph type="title"/>
-          </p:nvPr>
-        </p:nvSpPr>
-        <p:spPr>
-          <a:xfrm>
-            <a:off x="755650" y="158820"/>
-            <a:ext cx="8137525" cy="707886"/>
-          </a:xfrm>
-        </p:spPr>
-        <p:txBody>
-          <a:bodyPr/>
-          <a:lstStyle/>
-          <a:p>
-            <a:r>
-              <a:rPr lang="en-US" altLang="ko-KR"/>
-              <a:t>CS2 </a:t>
-            </a:r>
-            <a:r>
-              <a:rPr lang="ko-KR" altLang="en-US"/>
-              <a:t>속도 개선</a:t>
-            </a:r>
-            <a:endParaRPr lang="ko-KR" altLang="en-US" dirty="0"/>
-          </a:p>
-        </p:txBody>
-      </p:sp>
-      <p:pic>
-        <p:nvPicPr>
-          <p:cNvPr id="3" name="그림 2">
-            <a:extLst>
-              <a:ext uri="{FF2B5EF4-FFF2-40B4-BE49-F238E27FC236}">
-                <a16:creationId xmlns:a16="http://schemas.microsoft.com/office/drawing/2014/main" id="{9A4722DE-738D-4866-8605-FFFEEE7D35D1}"/>
-              </a:ext>
-            </a:extLst>
-          </p:cNvPr>
-          <p:cNvPicPr>
-            <a:picLocks noChangeAspect="1"/>
-          </p:cNvPicPr>
-          <p:nvPr/>
-        </p:nvPicPr>
-        <p:blipFill>
-          <a:blip r:embed="rId3"/>
-          <a:stretch>
-            <a:fillRect/>
-          </a:stretch>
-        </p:blipFill>
-        <p:spPr>
-          <a:xfrm>
-            <a:off x="1469480" y="2036112"/>
-            <a:ext cx="2238424" cy="1023280"/>
-          </a:xfrm>
-          <a:prstGeom prst="rect">
-            <a:avLst/>
-          </a:prstGeom>
-        </p:spPr>
-      </p:pic>
-      <p:sp>
-        <p:nvSpPr>
-          <p:cNvPr id="8" name="직사각형 7">
-            <a:extLst>
-              <a:ext uri="{FF2B5EF4-FFF2-40B4-BE49-F238E27FC236}">
-                <a16:creationId xmlns:a16="http://schemas.microsoft.com/office/drawing/2014/main" id="{97835786-DA94-4C27-80BC-85297A88A2FD}"/>
-              </a:ext>
-            </a:extLst>
-          </p:cNvPr>
-          <p:cNvSpPr/>
-          <p:nvPr/>
-        </p:nvSpPr>
-        <p:spPr>
-          <a:xfrm>
-            <a:off x="1469480" y="1654932"/>
-            <a:ext cx="6912768" cy="307777"/>
-          </a:xfrm>
-          <a:prstGeom prst="rect">
-            <a:avLst/>
-          </a:prstGeom>
-          <a:solidFill>
-            <a:srgbClr val="FFFF99"/>
-          </a:solidFill>
-          <a:ln w="19050">
-            <a:noFill/>
-          </a:ln>
-        </p:spPr>
-        <p:style>
-          <a:lnRef idx="2">
-            <a:schemeClr val="accent1">
-              <a:shade val="50000"/>
-            </a:schemeClr>
-          </a:lnRef>
-          <a:fillRef idx="1">
-            <a:schemeClr val="accent1"/>
-          </a:fillRef>
-          <a:effectRef idx="0">
-            <a:schemeClr val="accent1"/>
-          </a:effectRef>
-          <a:fontRef idx="minor">
-            <a:schemeClr val="lt1"/>
-          </a:fontRef>
-        </p:style>
-        <p:txBody>
-          <a:bodyPr rot="0" spcFirstLastPara="0" vertOverflow="overflow" horzOverflow="overflow" vert="horz" wrap="square" lIns="91440" tIns="45720" rIns="91440" bIns="45720" numCol="1" spcCol="0" rtlCol="0" fromWordArt="0" anchor="t" anchorCtr="0" forceAA="0" compatLnSpc="1">
-            <a:prstTxWarp prst="textNoShape">
-              <a:avLst/>
-            </a:prstTxWarp>
-            <a:spAutoFit/>
-          </a:bodyPr>
-          <a:lstStyle/>
-          <a:p>
-            <a:r>
-              <a:rPr lang="en-US" altLang="ko-KR" sz="1400">
-                <a:solidFill>
-                  <a:schemeClr val="tx1"/>
-                </a:solidFill>
-                <a:latin typeface="나눔스퀘어 Bold" panose="020B0600000101010101" pitchFamily="50" charset="-127"/>
-                <a:ea typeface="나눔스퀘어 Bold" panose="020B0600000101010101" pitchFamily="50" charset="-127"/>
-              </a:rPr>
-              <a:t>$sudo vim</a:t>
-            </a:r>
-            <a:r>
-              <a:rPr lang="ko-KR" altLang="en-US" sz="1400">
-                <a:solidFill>
-                  <a:schemeClr val="tx1"/>
-                </a:solidFill>
-                <a:latin typeface="나눔스퀘어 Bold" panose="020B0600000101010101" pitchFamily="50" charset="-127"/>
-                <a:ea typeface="나눔스퀘어 Bold" panose="020B0600000101010101" pitchFamily="50" charset="-127"/>
-              </a:rPr>
-              <a:t> </a:t>
-            </a:r>
-            <a:r>
-              <a:rPr lang="en-US" altLang="ko-KR" sz="1400">
-                <a:solidFill>
-                  <a:schemeClr val="tx1"/>
-                </a:solidFill>
-                <a:latin typeface="나눔스퀘어 Bold" panose="020B0600000101010101" pitchFamily="50" charset="-127"/>
-                <a:ea typeface="나눔스퀘어 Bold" panose="020B0600000101010101" pitchFamily="50" charset="-127"/>
-              </a:rPr>
-              <a:t>/etc/apache2/apache2.conf</a:t>
-            </a:r>
-            <a:endParaRPr lang="ko-KR" altLang="en-US" sz="1400">
-              <a:solidFill>
-                <a:schemeClr val="tx1"/>
-              </a:solidFill>
-              <a:latin typeface="나눔스퀘어 Bold" panose="020B0600000101010101" pitchFamily="50" charset="-127"/>
-              <a:ea typeface="나눔스퀘어 Bold" panose="020B0600000101010101" pitchFamily="50" charset="-127"/>
-            </a:endParaRPr>
-          </a:p>
-        </p:txBody>
-      </p:sp>
-      <p:sp>
-        <p:nvSpPr>
-          <p:cNvPr id="6" name="직사각형 5">
-            <a:extLst>
-              <a:ext uri="{FF2B5EF4-FFF2-40B4-BE49-F238E27FC236}">
-                <a16:creationId xmlns:a16="http://schemas.microsoft.com/office/drawing/2014/main" id="{5646209E-C7FB-4C5D-B1B8-3327255F8F77}"/>
-              </a:ext>
-            </a:extLst>
-          </p:cNvPr>
-          <p:cNvSpPr/>
-          <p:nvPr/>
-        </p:nvSpPr>
-        <p:spPr>
-          <a:xfrm>
-            <a:off x="1469480" y="3132795"/>
-            <a:ext cx="6912768" cy="307777"/>
-          </a:xfrm>
-          <a:prstGeom prst="rect">
-            <a:avLst/>
-          </a:prstGeom>
-          <a:solidFill>
-            <a:srgbClr val="FFFF99"/>
-          </a:solidFill>
-          <a:ln w="19050">
-            <a:noFill/>
-          </a:ln>
-        </p:spPr>
-        <p:style>
-          <a:lnRef idx="2">
-            <a:schemeClr val="accent1">
-              <a:shade val="50000"/>
-            </a:schemeClr>
-          </a:lnRef>
-          <a:fillRef idx="1">
-            <a:schemeClr val="accent1"/>
-          </a:fillRef>
-          <a:effectRef idx="0">
-            <a:schemeClr val="accent1"/>
-          </a:effectRef>
-          <a:fontRef idx="minor">
-            <a:schemeClr val="lt1"/>
-          </a:fontRef>
-        </p:style>
-        <p:txBody>
-          <a:bodyPr rot="0" spcFirstLastPara="0" vertOverflow="overflow" horzOverflow="overflow" vert="horz" wrap="square" lIns="91440" tIns="45720" rIns="91440" bIns="45720" numCol="1" spcCol="0" rtlCol="0" fromWordArt="0" anchor="t" anchorCtr="0" forceAA="0" compatLnSpc="1">
-            <a:prstTxWarp prst="textNoShape">
-              <a:avLst/>
-            </a:prstTxWarp>
-            <a:spAutoFit/>
-          </a:bodyPr>
-          <a:lstStyle/>
-          <a:p>
-            <a:r>
-              <a:rPr lang="en-US" altLang="ko-KR" sz="1400">
-                <a:solidFill>
-                  <a:schemeClr val="tx1"/>
-                </a:solidFill>
-                <a:latin typeface="나눔스퀘어 Bold" panose="020B0600000101010101" pitchFamily="50" charset="-127"/>
-                <a:ea typeface="나눔스퀘어 Bold" panose="020B0600000101010101" pitchFamily="50" charset="-127"/>
-              </a:rPr>
-              <a:t>$sudo vim</a:t>
-            </a:r>
-            <a:r>
-              <a:rPr lang="ko-KR" altLang="en-US" sz="1400">
-                <a:solidFill>
-                  <a:schemeClr val="tx1"/>
-                </a:solidFill>
-                <a:latin typeface="나눔스퀘어 Bold" panose="020B0600000101010101" pitchFamily="50" charset="-127"/>
-                <a:ea typeface="나눔스퀘어 Bold" panose="020B0600000101010101" pitchFamily="50" charset="-127"/>
-              </a:rPr>
-              <a:t> </a:t>
-            </a:r>
-            <a:r>
-              <a:rPr lang="en-US" altLang="ko-KR" sz="1400">
-                <a:solidFill>
-                  <a:schemeClr val="tx1"/>
-                </a:solidFill>
-                <a:latin typeface="나눔스퀘어 Bold" panose="020B0600000101010101" pitchFamily="50" charset="-127"/>
-                <a:ea typeface="나눔스퀘어 Bold" panose="020B0600000101010101" pitchFamily="50" charset="-127"/>
-              </a:rPr>
-              <a:t>/etc/apache2/site-available/000-default.conf</a:t>
-            </a:r>
-            <a:endParaRPr lang="ko-KR" altLang="en-US" sz="1400">
-              <a:solidFill>
-                <a:schemeClr val="tx1"/>
-              </a:solidFill>
-              <a:latin typeface="나눔스퀘어 Bold" panose="020B0600000101010101" pitchFamily="50" charset="-127"/>
-              <a:ea typeface="나눔스퀘어 Bold" panose="020B0600000101010101" pitchFamily="50" charset="-127"/>
-            </a:endParaRPr>
-          </a:p>
-        </p:txBody>
-      </p:sp>
-      <p:pic>
-        <p:nvPicPr>
-          <p:cNvPr id="4" name="그림 3">
-            <a:extLst>
-              <a:ext uri="{FF2B5EF4-FFF2-40B4-BE49-F238E27FC236}">
-                <a16:creationId xmlns:a16="http://schemas.microsoft.com/office/drawing/2014/main" id="{0C0440BE-7FA5-4C89-8237-CEDB4CA36602}"/>
-              </a:ext>
-            </a:extLst>
-          </p:cNvPr>
-          <p:cNvPicPr>
-            <a:picLocks noChangeAspect="1"/>
-          </p:cNvPicPr>
-          <p:nvPr/>
-        </p:nvPicPr>
-        <p:blipFill rotWithShape="1">
-          <a:blip r:embed="rId4"/>
-          <a:srcRect t="69119"/>
-          <a:stretch/>
-        </p:blipFill>
-        <p:spPr>
-          <a:xfrm>
-            <a:off x="1455797" y="3560387"/>
-            <a:ext cx="5236245" cy="631142"/>
-          </a:xfrm>
-          <a:prstGeom prst="rect">
-            <a:avLst/>
-          </a:prstGeom>
-        </p:spPr>
-      </p:pic>
-      <p:sp>
-        <p:nvSpPr>
-          <p:cNvPr id="10" name="직사각형 9">
-            <a:extLst>
-              <a:ext uri="{FF2B5EF4-FFF2-40B4-BE49-F238E27FC236}">
-                <a16:creationId xmlns:a16="http://schemas.microsoft.com/office/drawing/2014/main" id="{002B4157-5547-4094-A81A-AE2EE387E0A0}"/>
-              </a:ext>
-            </a:extLst>
-          </p:cNvPr>
-          <p:cNvSpPr/>
-          <p:nvPr/>
-        </p:nvSpPr>
-        <p:spPr>
-          <a:xfrm>
-            <a:off x="2699792" y="3804828"/>
-            <a:ext cx="1368152" cy="144016"/>
-          </a:xfrm>
-          <a:prstGeom prst="rect">
-            <a:avLst/>
-          </a:prstGeom>
-          <a:solidFill>
-            <a:schemeClr val="bg1"/>
-          </a:solidFill>
-          <a:ln w="19050">
-            <a:noFill/>
-          </a:ln>
-        </p:spPr>
-        <p:style>
-          <a:lnRef idx="2">
-            <a:schemeClr val="accent1">
-              <a:shade val="50000"/>
-            </a:schemeClr>
-          </a:lnRef>
-          <a:fillRef idx="1">
-            <a:schemeClr val="accent1"/>
-          </a:fillRef>
-          <a:effectRef idx="0">
-            <a:schemeClr val="accent1"/>
-          </a:effectRef>
-          <a:fontRef idx="minor">
-            <a:schemeClr val="lt1"/>
-          </a:fontRef>
-        </p:style>
-        <p:txBody>
-          <a:bodyPr rot="0" spcFirstLastPara="0" vertOverflow="overflow" horzOverflow="overflow" vert="horz" wrap="square" lIns="91440" tIns="45720" rIns="91440" bIns="45720" numCol="1" spcCol="0" rtlCol="0" fromWordArt="0" anchor="t" anchorCtr="0" forceAA="0" compatLnSpc="1">
-            <a:prstTxWarp prst="textNoShape">
-              <a:avLst/>
-            </a:prstTxWarp>
-            <a:spAutoFit/>
-          </a:bodyPr>
-          <a:lstStyle/>
-          <a:p>
-            <a:pPr algn="l"/>
-            <a:endParaRPr lang="ko-KR" altLang="en-US" sz="1400">
-              <a:solidFill>
-                <a:schemeClr val="tx1"/>
-              </a:solidFill>
-              <a:latin typeface="나눔스퀘어 Bold" panose="020B0600000101010101" pitchFamily="50" charset="-127"/>
-              <a:ea typeface="나눔스퀘어 Bold" panose="020B0600000101010101" pitchFamily="50" charset="-127"/>
-            </a:endParaRPr>
-          </a:p>
-        </p:txBody>
-      </p:sp>
-      <p:sp>
-        <p:nvSpPr>
-          <p:cNvPr id="12" name="직사각형 11">
-            <a:extLst>
-              <a:ext uri="{FF2B5EF4-FFF2-40B4-BE49-F238E27FC236}">
-                <a16:creationId xmlns:a16="http://schemas.microsoft.com/office/drawing/2014/main" id="{F7386DEF-BDAA-4D22-9A45-16CA014ACF2C}"/>
-              </a:ext>
-            </a:extLst>
-          </p:cNvPr>
-          <p:cNvSpPr/>
-          <p:nvPr/>
-        </p:nvSpPr>
-        <p:spPr>
-          <a:xfrm>
-            <a:off x="1683659" y="2060848"/>
-            <a:ext cx="1224136" cy="144016"/>
-          </a:xfrm>
-          <a:prstGeom prst="rect">
-            <a:avLst/>
-          </a:prstGeom>
-          <a:solidFill>
-            <a:schemeClr val="bg1"/>
-          </a:solidFill>
-          <a:ln w="19050">
-            <a:noFill/>
-          </a:ln>
-        </p:spPr>
-        <p:style>
-          <a:lnRef idx="2">
-            <a:schemeClr val="accent1">
-              <a:shade val="50000"/>
-            </a:schemeClr>
-          </a:lnRef>
-          <a:fillRef idx="1">
-            <a:schemeClr val="accent1"/>
-          </a:fillRef>
-          <a:effectRef idx="0">
-            <a:schemeClr val="accent1"/>
-          </a:effectRef>
-          <a:fontRef idx="minor">
-            <a:schemeClr val="lt1"/>
-          </a:fontRef>
-        </p:style>
-        <p:txBody>
-          <a:bodyPr rot="0" spcFirstLastPara="0" vertOverflow="overflow" horzOverflow="overflow" vert="horz" wrap="square" lIns="91440" tIns="45720" rIns="91440" bIns="45720" numCol="1" spcCol="0" rtlCol="0" fromWordArt="0" anchor="t" anchorCtr="0" forceAA="0" compatLnSpc="1">
-            <a:prstTxWarp prst="textNoShape">
-              <a:avLst/>
-            </a:prstTxWarp>
-            <a:spAutoFit/>
-          </a:bodyPr>
-          <a:lstStyle/>
-          <a:p>
-            <a:pPr algn="l"/>
-            <a:endParaRPr lang="ko-KR" altLang="en-US" sz="1400">
-              <a:solidFill>
-                <a:schemeClr val="tx1"/>
-              </a:solidFill>
-              <a:latin typeface="나눔스퀘어 Bold" panose="020B0600000101010101" pitchFamily="50" charset="-127"/>
-              <a:ea typeface="나눔스퀘어 Bold" panose="020B0600000101010101" pitchFamily="50" charset="-127"/>
-            </a:endParaRPr>
-          </a:p>
-        </p:txBody>
-      </p:sp>
-    </p:spTree>
-    <p:extLst>
-      <p:ext uri="{BB962C8B-B14F-4D97-AF65-F5344CB8AC3E}">
-        <p14:creationId xmlns:p14="http://schemas.microsoft.com/office/powerpoint/2010/main" val="996645628"/>
-      </p:ext>
-    </p:extLst>
-  </p:cSld>
-  <p:clrMapOvr>
-    <a:masterClrMapping/>
-  </p:clrMapOvr>
-</p:sld>
-</file>
-
-<file path=ppt/slides/slide13.xml><?xml version="1.0" encoding="utf-8"?>
-<p:sld xmlns:a="http://schemas.openxmlformats.org/drawingml/2006/main" xmlns:r="http://schemas.openxmlformats.org/officeDocument/2006/relationships" xmlns:p="http://schemas.openxmlformats.org/presentationml/2006/main">
-  <p:cSld>
-    <p:spTree>
-      <p:nvGrpSpPr>
-        <p:cNvPr id="1" name=""/>
-        <p:cNvGrpSpPr/>
-        <p:nvPr/>
-      </p:nvGrpSpPr>
-      <p:grpSpPr>
-        <a:xfrm>
-          <a:off x="0" y="0"/>
-          <a:ext cx="0" cy="0"/>
-          <a:chOff x="0" y="0"/>
-          <a:chExt cx="0" cy="0"/>
-        </a:xfrm>
-      </p:grpSpPr>
-      <p:sp>
-        <p:nvSpPr>
-          <p:cNvPr id="9" name="내용 개체 틀 2">
-            <a:extLst>
-              <a:ext uri="{FF2B5EF4-FFF2-40B4-BE49-F238E27FC236}">
-                <a16:creationId xmlns:a16="http://schemas.microsoft.com/office/drawing/2014/main" id="{0371F4DB-13CD-47C3-B2A8-AE9E160ACFE1}"/>
-              </a:ext>
-            </a:extLst>
-          </p:cNvPr>
-          <p:cNvSpPr>
-            <a:spLocks noGrp="1"/>
-          </p:cNvSpPr>
-          <p:nvPr>
-            <p:ph idx="1"/>
-          </p:nvPr>
-        </p:nvSpPr>
-        <p:spPr>
-          <a:xfrm>
-            <a:off x="898237" y="1052736"/>
-            <a:ext cx="8055254" cy="5646444"/>
-          </a:xfrm>
-        </p:spPr>
-        <p:txBody>
-          <a:bodyPr>
-            <a:normAutofit/>
-          </a:bodyPr>
-          <a:lstStyle/>
-          <a:p>
-            <a:r>
-              <a:rPr lang="ko-KR" altLang="en-US" sz="2400"/>
-              <a:t>고유주소 설정</a:t>
-            </a:r>
-            <a:endParaRPr lang="en-US" altLang="ko-KR" sz="2400"/>
-          </a:p>
-          <a:p>
-            <a:pPr lvl="1"/>
-            <a:r>
-              <a:rPr lang="en-US" altLang="ko-KR" sz="2000"/>
-              <a:t>cs2.sch.ac.kr/wordpress </a:t>
-            </a:r>
-            <a:r>
-              <a:rPr lang="ko-KR" altLang="en-US" sz="2000"/>
-              <a:t>→ </a:t>
-            </a:r>
-            <a:r>
-              <a:rPr lang="en-US" altLang="ko-KR" sz="2000"/>
-              <a:t>cs2.sch.ac.kr </a:t>
-            </a:r>
-            <a:r>
-              <a:rPr lang="ko-KR" altLang="en-US" sz="2000"/>
-              <a:t>로 변경</a:t>
-            </a:r>
-            <a:endParaRPr lang="en-US" altLang="ko-KR" sz="2000"/>
-          </a:p>
-          <a:p>
-            <a:pPr lvl="1"/>
-            <a:r>
-              <a:rPr lang="en-US" altLang="ko-KR" sz="2000"/>
-              <a:t>/var/www</a:t>
-            </a:r>
-            <a:r>
-              <a:rPr lang="ko-KR" altLang="en-US" sz="2000"/>
-              <a:t>로 아래의 파일들을 복사</a:t>
-            </a:r>
-            <a:endParaRPr lang="en-US" altLang="ko-KR" sz="2000"/>
-          </a:p>
-          <a:p>
-            <a:pPr lvl="2"/>
-            <a:r>
-              <a:rPr lang="en-US" altLang="ko-KR" sz="1600"/>
-              <a:t>/var/www/wordpress/index.php</a:t>
-            </a:r>
-          </a:p>
-          <a:p>
-            <a:pPr lvl="2"/>
-            <a:r>
-              <a:rPr lang="en-US" altLang="ko-KR" sz="1600"/>
-              <a:t>/var/www/wordpress/.htaccess</a:t>
-            </a:r>
-            <a:br>
-              <a:rPr lang="en-US" altLang="ko-KR" sz="1600"/>
-            </a:br>
-            <a:r>
-              <a:rPr lang="ko-KR" altLang="en-US" sz="1600"/>
-              <a:t>→ </a:t>
-            </a:r>
-            <a:r>
-              <a:rPr lang="en-US" altLang="ko-KR" sz="1600"/>
-              <a:t>.htaccess </a:t>
-            </a:r>
-            <a:r>
-              <a:rPr lang="ko-KR" altLang="en-US" sz="1600"/>
-              <a:t>파일의 경우</a:t>
-            </a:r>
-            <a:r>
-              <a:rPr lang="en-US" altLang="ko-KR" sz="1600"/>
-              <a:t>, </a:t>
-            </a:r>
-            <a:r>
-              <a:rPr lang="ko-KR" altLang="en-US" sz="1600"/>
-              <a:t>없다면 </a:t>
-            </a:r>
-            <a:r>
-              <a:rPr lang="en-US" altLang="ko-KR" sz="1600"/>
-              <a:t>wordpress </a:t>
-            </a:r>
-            <a:r>
-              <a:rPr lang="ko-KR" altLang="en-US" sz="1600"/>
-              <a:t>관리자페이지에 접속하여 설정 </a:t>
-            </a:r>
-            <a:r>
-              <a:rPr lang="en-US" altLang="ko-KR" sz="1600"/>
-              <a:t>- </a:t>
-            </a:r>
-            <a:r>
-              <a:rPr lang="ko-KR" altLang="en-US" sz="1600"/>
-              <a:t>고유주소 에서 일반 설정을 아무렇게 바꾸면 생성됨</a:t>
-            </a:r>
-            <a:br>
-              <a:rPr lang="en-US" altLang="ko-KR" sz="1600"/>
-            </a:br>
-            <a:r>
-              <a:rPr lang="ko-KR" altLang="en-US" sz="1600"/>
-              <a:t>→ 혹은 직접 만들어 줄 것</a:t>
-            </a:r>
-            <a:endParaRPr lang="en-US" altLang="ko-KR" sz="1600"/>
-          </a:p>
-          <a:p>
-            <a:pPr lvl="1"/>
-            <a:r>
-              <a:rPr lang="en-US" altLang="ko-KR" sz="2000"/>
-              <a:t>.htaccess</a:t>
-            </a:r>
-            <a:r>
-              <a:rPr lang="ko-KR" altLang="en-US" sz="2000"/>
-              <a:t>파일 </a:t>
-            </a:r>
-            <a:r>
-              <a:rPr lang="en-US" altLang="ko-KR" sz="2000"/>
-              <a:t>: RewriteRule </a:t>
-            </a:r>
-            <a:r>
-              <a:rPr lang="ko-KR" altLang="en-US" sz="2000"/>
-              <a:t>경로를 아래와 같이 수정</a:t>
-            </a:r>
-            <a:endParaRPr lang="en-US" altLang="ko-KR" sz="2000"/>
-          </a:p>
-          <a:p>
-            <a:endParaRPr lang="en-US" altLang="ko-KR" sz="2000"/>
-          </a:p>
-        </p:txBody>
-      </p:sp>
-      <p:sp>
-        <p:nvSpPr>
-          <p:cNvPr id="2" name="제목 1"/>
-          <p:cNvSpPr>
-            <a:spLocks noGrp="1"/>
-          </p:cNvSpPr>
-          <p:nvPr>
-            <p:ph type="title"/>
-          </p:nvPr>
-        </p:nvSpPr>
-        <p:spPr>
-          <a:xfrm>
-            <a:off x="755650" y="158820"/>
-            <a:ext cx="8137525" cy="707886"/>
-          </a:xfrm>
-        </p:spPr>
-        <p:txBody>
-          <a:bodyPr/>
-          <a:lstStyle/>
-          <a:p>
-            <a:r>
-              <a:rPr lang="en-US" altLang="ko-KR"/>
-              <a:t>CS2 </a:t>
-            </a:r>
-            <a:r>
-              <a:rPr lang="ko-KR" altLang="en-US"/>
-              <a:t>속도 개선</a:t>
-            </a:r>
-            <a:endParaRPr lang="ko-KR" altLang="en-US" dirty="0"/>
-          </a:p>
-        </p:txBody>
-      </p:sp>
-      <p:pic>
-        <p:nvPicPr>
-          <p:cNvPr id="5" name="그림 4">
-            <a:extLst>
-              <a:ext uri="{FF2B5EF4-FFF2-40B4-BE49-F238E27FC236}">
-                <a16:creationId xmlns:a16="http://schemas.microsoft.com/office/drawing/2014/main" id="{EFDCFF8B-FA3F-4ED7-97D7-C39F60D3E881}"/>
-              </a:ext>
-            </a:extLst>
-          </p:cNvPr>
-          <p:cNvPicPr>
-            <a:picLocks noChangeAspect="1"/>
-          </p:cNvPicPr>
-          <p:nvPr/>
-        </p:nvPicPr>
-        <p:blipFill>
-          <a:blip r:embed="rId3"/>
-          <a:stretch>
-            <a:fillRect/>
-          </a:stretch>
-        </p:blipFill>
-        <p:spPr>
-          <a:xfrm>
-            <a:off x="1907704" y="3933056"/>
-            <a:ext cx="5174989" cy="2646212"/>
-          </a:xfrm>
-          <a:prstGeom prst="rect">
-            <a:avLst/>
-          </a:prstGeom>
-        </p:spPr>
-      </p:pic>
-      <p:sp>
-        <p:nvSpPr>
-          <p:cNvPr id="6" name="직사각형 5">
-            <a:extLst>
-              <a:ext uri="{FF2B5EF4-FFF2-40B4-BE49-F238E27FC236}">
-                <a16:creationId xmlns:a16="http://schemas.microsoft.com/office/drawing/2014/main" id="{60F5587F-D119-4768-8858-B6A007CC378F}"/>
-              </a:ext>
-            </a:extLst>
-          </p:cNvPr>
-          <p:cNvSpPr/>
-          <p:nvPr/>
-        </p:nvSpPr>
-        <p:spPr>
-          <a:xfrm>
-            <a:off x="1798690" y="4797152"/>
-            <a:ext cx="5393016" cy="504056"/>
-          </a:xfrm>
-          <a:prstGeom prst="rect">
-            <a:avLst/>
-          </a:prstGeom>
-          <a:noFill/>
-          <a:ln w="19050">
-            <a:solidFill>
-              <a:srgbClr val="FF0000"/>
-            </a:solidFill>
-          </a:ln>
-        </p:spPr>
-        <p:style>
-          <a:lnRef idx="2">
-            <a:schemeClr val="accent1">
-              <a:shade val="50000"/>
-            </a:schemeClr>
-          </a:lnRef>
-          <a:fillRef idx="1">
-            <a:schemeClr val="accent1"/>
-          </a:fillRef>
-          <a:effectRef idx="0">
-            <a:schemeClr val="accent1"/>
-          </a:effectRef>
-          <a:fontRef idx="minor">
-            <a:schemeClr val="lt1"/>
-          </a:fontRef>
-        </p:style>
-        <p:txBody>
-          <a:bodyPr rot="0" spcFirstLastPara="0" vertOverflow="overflow" horzOverflow="overflow" vert="horz" wrap="square" lIns="91440" tIns="45720" rIns="91440" bIns="45720" numCol="1" spcCol="0" rtlCol="0" fromWordArt="0" anchor="ctr" anchorCtr="0" forceAA="0" compatLnSpc="1">
-            <a:prstTxWarp prst="textNoShape">
-              <a:avLst/>
-            </a:prstTxWarp>
-            <a:noAutofit/>
-          </a:bodyPr>
-          <a:lstStyle/>
-          <a:p>
-            <a:pPr algn="ctr"/>
-            <a:endParaRPr lang="ko-KR" altLang="en-US" sz="1400">
-              <a:solidFill>
-                <a:schemeClr val="tx1"/>
-              </a:solidFill>
-              <a:latin typeface="나눔스퀘어 Bold" panose="020B0600000101010101" pitchFamily="50" charset="-127"/>
-              <a:ea typeface="나눔스퀘어 Bold" panose="020B0600000101010101" pitchFamily="50" charset="-127"/>
-            </a:endParaRPr>
-          </a:p>
-        </p:txBody>
-      </p:sp>
-      <p:sp>
-        <p:nvSpPr>
-          <p:cNvPr id="7" name="직사각형 6">
-            <a:extLst>
-              <a:ext uri="{FF2B5EF4-FFF2-40B4-BE49-F238E27FC236}">
-                <a16:creationId xmlns:a16="http://schemas.microsoft.com/office/drawing/2014/main" id="{72EA11BD-F053-4EBD-93CC-50B4E79D4510}"/>
-              </a:ext>
-            </a:extLst>
-          </p:cNvPr>
-          <p:cNvSpPr/>
-          <p:nvPr/>
-        </p:nvSpPr>
-        <p:spPr>
-          <a:xfrm>
-            <a:off x="2123728" y="3972417"/>
-            <a:ext cx="1224136" cy="144016"/>
-          </a:xfrm>
-          <a:prstGeom prst="rect">
-            <a:avLst/>
-          </a:prstGeom>
-          <a:solidFill>
-            <a:schemeClr val="bg1"/>
-          </a:solidFill>
-          <a:ln w="19050">
-            <a:noFill/>
-          </a:ln>
-        </p:spPr>
-        <p:style>
-          <a:lnRef idx="2">
-            <a:schemeClr val="accent1">
-              <a:shade val="50000"/>
-            </a:schemeClr>
-          </a:lnRef>
-          <a:fillRef idx="1">
-            <a:schemeClr val="accent1"/>
-          </a:fillRef>
-          <a:effectRef idx="0">
-            <a:schemeClr val="accent1"/>
-          </a:effectRef>
-          <a:fontRef idx="minor">
-            <a:schemeClr val="lt1"/>
-          </a:fontRef>
-        </p:style>
-        <p:txBody>
-          <a:bodyPr rot="0" spcFirstLastPara="0" vertOverflow="overflow" horzOverflow="overflow" vert="horz" wrap="square" lIns="91440" tIns="45720" rIns="91440" bIns="45720" numCol="1" spcCol="0" rtlCol="0" fromWordArt="0" anchor="t" anchorCtr="0" forceAA="0" compatLnSpc="1">
-            <a:prstTxWarp prst="textNoShape">
-              <a:avLst/>
-            </a:prstTxWarp>
-            <a:spAutoFit/>
-          </a:bodyPr>
-          <a:lstStyle/>
-          <a:p>
-            <a:pPr algn="l"/>
-            <a:endParaRPr lang="ko-KR" altLang="en-US" sz="1400">
-              <a:solidFill>
-                <a:schemeClr val="tx1"/>
-              </a:solidFill>
-              <a:latin typeface="나눔스퀘어 Bold" panose="020B0600000101010101" pitchFamily="50" charset="-127"/>
-              <a:ea typeface="나눔스퀘어 Bold" panose="020B0600000101010101" pitchFamily="50" charset="-127"/>
-            </a:endParaRPr>
-          </a:p>
-        </p:txBody>
-      </p:sp>
-    </p:spTree>
-    <p:extLst>
-      <p:ext uri="{BB962C8B-B14F-4D97-AF65-F5344CB8AC3E}">
-        <p14:creationId xmlns:p14="http://schemas.microsoft.com/office/powerpoint/2010/main" val="2611332880"/>
-      </p:ext>
-    </p:extLst>
-  </p:cSld>
-  <p:clrMapOvr>
-    <a:masterClrMapping/>
-  </p:clrMapOvr>
-</p:sld>
-</file>
-
-<file path=ppt/slides/slide14.xml><?xml version="1.0" encoding="utf-8"?>
-<p:sld xmlns:a="http://schemas.openxmlformats.org/drawingml/2006/main" xmlns:r="http://schemas.openxmlformats.org/officeDocument/2006/relationships" xmlns:p="http://schemas.openxmlformats.org/presentationml/2006/main">
-  <p:cSld>
-    <p:spTree>
-      <p:nvGrpSpPr>
-        <p:cNvPr id="1" name=""/>
-        <p:cNvGrpSpPr/>
-        <p:nvPr/>
-      </p:nvGrpSpPr>
-      <p:grpSpPr>
-        <a:xfrm>
-          <a:off x="0" y="0"/>
-          <a:ext cx="0" cy="0"/>
-          <a:chOff x="0" y="0"/>
-          <a:chExt cx="0" cy="0"/>
-        </a:xfrm>
-      </p:grpSpPr>
-      <p:sp>
-        <p:nvSpPr>
-          <p:cNvPr id="9" name="내용 개체 틀 2">
-            <a:extLst>
-              <a:ext uri="{FF2B5EF4-FFF2-40B4-BE49-F238E27FC236}">
-                <a16:creationId xmlns:a16="http://schemas.microsoft.com/office/drawing/2014/main" id="{0371F4DB-13CD-47C3-B2A8-AE9E160ACFE1}"/>
-              </a:ext>
-            </a:extLst>
-          </p:cNvPr>
-          <p:cNvSpPr>
-            <a:spLocks noGrp="1"/>
-          </p:cNvSpPr>
-          <p:nvPr>
-            <p:ph idx="1"/>
-          </p:nvPr>
-        </p:nvSpPr>
-        <p:spPr>
-          <a:xfrm>
-            <a:off x="898237" y="1052736"/>
-            <a:ext cx="8055254" cy="5646444"/>
-          </a:xfrm>
-        </p:spPr>
-        <p:txBody>
-          <a:bodyPr>
-            <a:normAutofit/>
-          </a:bodyPr>
-          <a:lstStyle/>
-          <a:p>
-            <a:r>
-              <a:rPr lang="ko-KR" altLang="en-US" sz="2400"/>
-              <a:t>고유주소 설정</a:t>
-            </a:r>
-            <a:endParaRPr lang="en-US" altLang="ko-KR" sz="2400"/>
-          </a:p>
-          <a:p>
-            <a:pPr lvl="1"/>
-            <a:r>
-              <a:rPr lang="en-US" altLang="ko-KR" sz="2000"/>
-              <a:t>index.php</a:t>
-            </a:r>
-            <a:r>
-              <a:rPr lang="ko-KR" altLang="en-US" sz="2000"/>
-              <a:t> 파일 </a:t>
-            </a:r>
-            <a:r>
-              <a:rPr lang="en-US" altLang="ko-KR" sz="2000"/>
-              <a:t>: </a:t>
-            </a:r>
-            <a:r>
-              <a:rPr lang="ko-KR" altLang="en-US" sz="2000"/>
-              <a:t>아래의 그림과 같이 경로수정</a:t>
-            </a:r>
-            <a:endParaRPr lang="en-US" altLang="ko-KR" sz="2000"/>
-          </a:p>
-        </p:txBody>
-      </p:sp>
-      <p:sp>
-        <p:nvSpPr>
-          <p:cNvPr id="2" name="제목 1"/>
-          <p:cNvSpPr>
-            <a:spLocks noGrp="1"/>
-          </p:cNvSpPr>
-          <p:nvPr>
-            <p:ph type="title"/>
-          </p:nvPr>
-        </p:nvSpPr>
-        <p:spPr>
-          <a:xfrm>
-            <a:off x="755650" y="158820"/>
-            <a:ext cx="8137525" cy="707886"/>
-          </a:xfrm>
-        </p:spPr>
-        <p:txBody>
-          <a:bodyPr/>
-          <a:lstStyle/>
-          <a:p>
-            <a:r>
-              <a:rPr lang="en-US" altLang="ko-KR"/>
-              <a:t>CS2 </a:t>
-            </a:r>
-            <a:r>
-              <a:rPr lang="ko-KR" altLang="en-US"/>
-              <a:t>속도 개선</a:t>
-            </a:r>
-            <a:endParaRPr lang="ko-KR" altLang="en-US" dirty="0"/>
-          </a:p>
-        </p:txBody>
-      </p:sp>
-      <p:pic>
-        <p:nvPicPr>
-          <p:cNvPr id="3" name="그림 2">
-            <a:extLst>
-              <a:ext uri="{FF2B5EF4-FFF2-40B4-BE49-F238E27FC236}">
-                <a16:creationId xmlns:a16="http://schemas.microsoft.com/office/drawing/2014/main" id="{C9284672-E59D-4312-A4CA-E7578964FEC8}"/>
-              </a:ext>
-            </a:extLst>
-          </p:cNvPr>
-          <p:cNvPicPr>
-            <a:picLocks noChangeAspect="1"/>
-          </p:cNvPicPr>
-          <p:nvPr/>
-        </p:nvPicPr>
-        <p:blipFill>
-          <a:blip r:embed="rId3"/>
-          <a:stretch>
-            <a:fillRect/>
-          </a:stretch>
-        </p:blipFill>
-        <p:spPr>
-          <a:xfrm>
-            <a:off x="2267744" y="1986641"/>
-            <a:ext cx="5386437" cy="2884718"/>
-          </a:xfrm>
-          <a:prstGeom prst="rect">
-            <a:avLst/>
-          </a:prstGeom>
-        </p:spPr>
-      </p:pic>
-      <p:sp>
-        <p:nvSpPr>
-          <p:cNvPr id="6" name="직사각형 5">
-            <a:extLst>
-              <a:ext uri="{FF2B5EF4-FFF2-40B4-BE49-F238E27FC236}">
-                <a16:creationId xmlns:a16="http://schemas.microsoft.com/office/drawing/2014/main" id="{F9EED393-C73A-4EF4-BBAA-09B10CFC63FA}"/>
-              </a:ext>
-            </a:extLst>
-          </p:cNvPr>
-          <p:cNvSpPr/>
-          <p:nvPr/>
-        </p:nvSpPr>
-        <p:spPr>
-          <a:xfrm>
-            <a:off x="4283968" y="4293096"/>
-            <a:ext cx="2304256" cy="216024"/>
-          </a:xfrm>
-          <a:prstGeom prst="rect">
-            <a:avLst/>
-          </a:prstGeom>
-          <a:noFill/>
-          <a:ln w="19050">
-            <a:solidFill>
-              <a:srgbClr val="FF0000"/>
-            </a:solidFill>
-          </a:ln>
-        </p:spPr>
-        <p:style>
-          <a:lnRef idx="2">
-            <a:schemeClr val="accent1">
-              <a:shade val="50000"/>
-            </a:schemeClr>
-          </a:lnRef>
-          <a:fillRef idx="1">
-            <a:schemeClr val="accent1"/>
-          </a:fillRef>
-          <a:effectRef idx="0">
-            <a:schemeClr val="accent1"/>
-          </a:effectRef>
-          <a:fontRef idx="minor">
-            <a:schemeClr val="lt1"/>
-          </a:fontRef>
-        </p:style>
-        <p:txBody>
-          <a:bodyPr rot="0" spcFirstLastPara="0" vertOverflow="overflow" horzOverflow="overflow" vert="horz" wrap="square" lIns="91440" tIns="45720" rIns="91440" bIns="45720" numCol="1" spcCol="0" rtlCol="0" fromWordArt="0" anchor="ctr" anchorCtr="0" forceAA="0" compatLnSpc="1">
-            <a:prstTxWarp prst="textNoShape">
-              <a:avLst/>
-            </a:prstTxWarp>
-            <a:noAutofit/>
-          </a:bodyPr>
-          <a:lstStyle/>
-          <a:p>
-            <a:pPr algn="ctr"/>
-            <a:endParaRPr lang="ko-KR" altLang="en-US" sz="1400">
-              <a:solidFill>
-                <a:schemeClr val="tx1"/>
-              </a:solidFill>
-              <a:latin typeface="나눔스퀘어 Bold" panose="020B0600000101010101" pitchFamily="50" charset="-127"/>
-              <a:ea typeface="나눔스퀘어 Bold" panose="020B0600000101010101" pitchFamily="50" charset="-127"/>
-            </a:endParaRPr>
-          </a:p>
-        </p:txBody>
-      </p:sp>
-      <p:sp>
-        <p:nvSpPr>
-          <p:cNvPr id="4" name="직사각형 3">
-            <a:extLst>
-              <a:ext uri="{FF2B5EF4-FFF2-40B4-BE49-F238E27FC236}">
-                <a16:creationId xmlns:a16="http://schemas.microsoft.com/office/drawing/2014/main" id="{A0A2444D-8D88-4398-9B62-145214827B5B}"/>
-              </a:ext>
-            </a:extLst>
-          </p:cNvPr>
-          <p:cNvSpPr/>
-          <p:nvPr/>
-        </p:nvSpPr>
-        <p:spPr>
-          <a:xfrm>
-            <a:off x="2507650" y="2036785"/>
-            <a:ext cx="1224136" cy="144016"/>
-          </a:xfrm>
-          <a:prstGeom prst="rect">
-            <a:avLst/>
-          </a:prstGeom>
-          <a:solidFill>
-            <a:schemeClr val="bg1"/>
-          </a:solidFill>
-          <a:ln w="19050">
-            <a:noFill/>
-          </a:ln>
-        </p:spPr>
-        <p:style>
-          <a:lnRef idx="2">
-            <a:schemeClr val="accent1">
-              <a:shade val="50000"/>
-            </a:schemeClr>
-          </a:lnRef>
-          <a:fillRef idx="1">
-            <a:schemeClr val="accent1"/>
-          </a:fillRef>
-          <a:effectRef idx="0">
-            <a:schemeClr val="accent1"/>
-          </a:effectRef>
-          <a:fontRef idx="minor">
-            <a:schemeClr val="lt1"/>
-          </a:fontRef>
-        </p:style>
-        <p:txBody>
-          <a:bodyPr rot="0" spcFirstLastPara="0" vertOverflow="overflow" horzOverflow="overflow" vert="horz" wrap="square" lIns="91440" tIns="45720" rIns="91440" bIns="45720" numCol="1" spcCol="0" rtlCol="0" fromWordArt="0" anchor="t" anchorCtr="0" forceAA="0" compatLnSpc="1">
-            <a:prstTxWarp prst="textNoShape">
-              <a:avLst/>
-            </a:prstTxWarp>
-            <a:spAutoFit/>
-          </a:bodyPr>
-          <a:lstStyle/>
-          <a:p>
-            <a:pPr algn="l"/>
-            <a:endParaRPr lang="ko-KR" altLang="en-US" sz="1400">
-              <a:solidFill>
-                <a:schemeClr val="tx1"/>
-              </a:solidFill>
-              <a:latin typeface="나눔스퀘어 Bold" panose="020B0600000101010101" pitchFamily="50" charset="-127"/>
-              <a:ea typeface="나눔스퀘어 Bold" panose="020B0600000101010101" pitchFamily="50" charset="-127"/>
-            </a:endParaRPr>
-          </a:p>
-        </p:txBody>
-      </p:sp>
-    </p:spTree>
-    <p:extLst>
-      <p:ext uri="{BB962C8B-B14F-4D97-AF65-F5344CB8AC3E}">
-        <p14:creationId xmlns:p14="http://schemas.microsoft.com/office/powerpoint/2010/main" val="3304114213"/>
-      </p:ext>
-    </p:extLst>
-  </p:cSld>
-  <p:clrMapOvr>
-    <a:masterClrMapping/>
-  </p:clrMapOvr>
-</p:sld>
-</file>
-
-<file path=ppt/slides/slide15.xml><?xml version="1.0" encoding="utf-8"?>
-<p:sld xmlns:a="http://schemas.openxmlformats.org/drawingml/2006/main" xmlns:r="http://schemas.openxmlformats.org/officeDocument/2006/relationships" xmlns:p="http://schemas.openxmlformats.org/presentationml/2006/main">
-  <p:cSld>
-    <p:spTree>
-      <p:nvGrpSpPr>
-        <p:cNvPr id="1" name=""/>
-        <p:cNvGrpSpPr/>
-        <p:nvPr/>
-      </p:nvGrpSpPr>
-      <p:grpSpPr>
-        <a:xfrm>
-          <a:off x="0" y="0"/>
-          <a:ext cx="0" cy="0"/>
-          <a:chOff x="0" y="0"/>
-          <a:chExt cx="0" cy="0"/>
-        </a:xfrm>
-      </p:grpSpPr>
-      <p:sp>
-        <p:nvSpPr>
-          <p:cNvPr id="9" name="내용 개체 틀 2">
-            <a:extLst>
-              <a:ext uri="{FF2B5EF4-FFF2-40B4-BE49-F238E27FC236}">
-                <a16:creationId xmlns:a16="http://schemas.microsoft.com/office/drawing/2014/main" id="{0371F4DB-13CD-47C3-B2A8-AE9E160ACFE1}"/>
-              </a:ext>
-            </a:extLst>
-          </p:cNvPr>
-          <p:cNvSpPr>
-            <a:spLocks noGrp="1"/>
-          </p:cNvSpPr>
-          <p:nvPr>
-            <p:ph idx="1"/>
-          </p:nvPr>
-        </p:nvSpPr>
-        <p:spPr>
-          <a:xfrm>
-            <a:off x="898237" y="1052736"/>
-            <a:ext cx="8055254" cy="5646444"/>
-          </a:xfrm>
-        </p:spPr>
-        <p:txBody>
-          <a:bodyPr>
-            <a:normAutofit/>
-          </a:bodyPr>
-          <a:lstStyle/>
-          <a:p>
-            <a:r>
-              <a:rPr lang="en-US" altLang="ko-KR" sz="2400"/>
-              <a:t>Mysql</a:t>
-            </a:r>
-            <a:r>
-              <a:rPr lang="ko-KR" altLang="en-US" sz="2400"/>
-              <a:t> 연동</a:t>
-            </a:r>
-            <a:endParaRPr lang="en-US" altLang="ko-KR" sz="2400"/>
-          </a:p>
-          <a:p>
-            <a:pPr lvl="1"/>
-            <a:r>
-              <a:rPr lang="ko-KR" altLang="en-US" sz="2000"/>
-              <a:t>만일</a:t>
-            </a:r>
-            <a:r>
-              <a:rPr lang="en-US" altLang="ko-KR" sz="2000"/>
-              <a:t>, </a:t>
-            </a:r>
-            <a:r>
-              <a:rPr lang="ko-KR" altLang="en-US" sz="2000"/>
-              <a:t>데이터베이스 연동 오류가 난다면</a:t>
-            </a:r>
-            <a:r>
-              <a:rPr lang="en-US" altLang="ko-KR" sz="2000"/>
-              <a:t>, </a:t>
-            </a:r>
-            <a:r>
-              <a:rPr lang="ko-KR" altLang="en-US" sz="2000"/>
-              <a:t>다음 경로의 파일을 수정하여 준다</a:t>
-            </a:r>
-            <a:r>
-              <a:rPr lang="en-US" altLang="ko-KR" sz="2000"/>
-              <a:t>.</a:t>
-            </a:r>
-          </a:p>
-        </p:txBody>
-      </p:sp>
-      <p:sp>
-        <p:nvSpPr>
-          <p:cNvPr id="2" name="제목 1"/>
-          <p:cNvSpPr>
-            <a:spLocks noGrp="1"/>
-          </p:cNvSpPr>
-          <p:nvPr>
-            <p:ph type="title"/>
-          </p:nvPr>
-        </p:nvSpPr>
-        <p:spPr>
-          <a:xfrm>
-            <a:off x="755650" y="158820"/>
-            <a:ext cx="8137525" cy="707886"/>
-          </a:xfrm>
-        </p:spPr>
-        <p:txBody>
-          <a:bodyPr/>
-          <a:lstStyle/>
-          <a:p>
-            <a:r>
-              <a:rPr lang="en-US" altLang="ko-KR"/>
-              <a:t>CS2 </a:t>
-            </a:r>
-            <a:r>
-              <a:rPr lang="ko-KR" altLang="en-US"/>
-              <a:t>속도 개선</a:t>
-            </a:r>
-            <a:endParaRPr lang="ko-KR" altLang="en-US" dirty="0"/>
-          </a:p>
-        </p:txBody>
-      </p:sp>
-      <p:sp>
-        <p:nvSpPr>
-          <p:cNvPr id="7" name="직사각형 6">
-            <a:extLst>
-              <a:ext uri="{FF2B5EF4-FFF2-40B4-BE49-F238E27FC236}">
-                <a16:creationId xmlns:a16="http://schemas.microsoft.com/office/drawing/2014/main" id="{F7749CF8-A130-4FC7-8E2E-DCEC3DEF0752}"/>
-              </a:ext>
-            </a:extLst>
-          </p:cNvPr>
-          <p:cNvSpPr/>
-          <p:nvPr/>
-        </p:nvSpPr>
-        <p:spPr>
-          <a:xfrm>
-            <a:off x="1469480" y="2276872"/>
-            <a:ext cx="6912768" cy="307777"/>
-          </a:xfrm>
-          <a:prstGeom prst="rect">
-            <a:avLst/>
-          </a:prstGeom>
-          <a:solidFill>
-            <a:srgbClr val="FFFF99"/>
-          </a:solidFill>
-          <a:ln w="19050">
-            <a:noFill/>
-          </a:ln>
-        </p:spPr>
-        <p:style>
-          <a:lnRef idx="2">
-            <a:schemeClr val="accent1">
-              <a:shade val="50000"/>
-            </a:schemeClr>
-          </a:lnRef>
-          <a:fillRef idx="1">
-            <a:schemeClr val="accent1"/>
-          </a:fillRef>
-          <a:effectRef idx="0">
-            <a:schemeClr val="accent1"/>
-          </a:effectRef>
-          <a:fontRef idx="minor">
-            <a:schemeClr val="lt1"/>
-          </a:fontRef>
-        </p:style>
-        <p:txBody>
-          <a:bodyPr rot="0" spcFirstLastPara="0" vertOverflow="overflow" horzOverflow="overflow" vert="horz" wrap="square" lIns="91440" tIns="45720" rIns="91440" bIns="45720" numCol="1" spcCol="0" rtlCol="0" fromWordArt="0" anchor="t" anchorCtr="0" forceAA="0" compatLnSpc="1">
-            <a:prstTxWarp prst="textNoShape">
-              <a:avLst/>
-            </a:prstTxWarp>
-            <a:spAutoFit/>
-          </a:bodyPr>
-          <a:lstStyle/>
-          <a:p>
-            <a:r>
-              <a:rPr lang="en-US" altLang="ko-KR" sz="1400">
-                <a:solidFill>
-                  <a:schemeClr val="tx1"/>
-                </a:solidFill>
-                <a:latin typeface="나눔스퀘어 Bold" panose="020B0600000101010101" pitchFamily="50" charset="-127"/>
-                <a:ea typeface="나눔스퀘어 Bold" panose="020B0600000101010101" pitchFamily="50" charset="-127"/>
-              </a:rPr>
-              <a:t>$vim /var/www/wordpress/wp-config.php</a:t>
-            </a:r>
-            <a:endParaRPr lang="ko-KR" altLang="en-US" sz="1400">
-              <a:solidFill>
-                <a:schemeClr val="tx1"/>
-              </a:solidFill>
-              <a:latin typeface="나눔스퀘어 Bold" panose="020B0600000101010101" pitchFamily="50" charset="-127"/>
-              <a:ea typeface="나눔스퀘어 Bold" panose="020B0600000101010101" pitchFamily="50" charset="-127"/>
-            </a:endParaRPr>
-          </a:p>
-        </p:txBody>
-      </p:sp>
-      <p:grpSp>
-        <p:nvGrpSpPr>
-          <p:cNvPr id="3" name="그룹 2">
-            <a:extLst>
-              <a:ext uri="{FF2B5EF4-FFF2-40B4-BE49-F238E27FC236}">
-                <a16:creationId xmlns:a16="http://schemas.microsoft.com/office/drawing/2014/main" id="{BD010B82-43D9-49A2-BF17-D54AA1096AB9}"/>
-              </a:ext>
-            </a:extLst>
-          </p:cNvPr>
-          <p:cNvGrpSpPr/>
-          <p:nvPr/>
-        </p:nvGrpSpPr>
-        <p:grpSpPr>
-          <a:xfrm>
-            <a:off x="2843808" y="3933056"/>
-            <a:ext cx="796851" cy="587054"/>
-            <a:chOff x="2843808" y="3933056"/>
-            <a:chExt cx="796851" cy="587054"/>
-          </a:xfrm>
-        </p:grpSpPr>
-        <p:sp>
-          <p:nvSpPr>
-            <p:cNvPr id="10" name="직사각형 9">
-              <a:extLst>
-                <a:ext uri="{FF2B5EF4-FFF2-40B4-BE49-F238E27FC236}">
-                  <a16:creationId xmlns:a16="http://schemas.microsoft.com/office/drawing/2014/main" id="{492BAFE4-C193-481A-A38D-0666270CECAE}"/>
-                </a:ext>
-              </a:extLst>
-            </p:cNvPr>
-            <p:cNvSpPr/>
-            <p:nvPr/>
-          </p:nvSpPr>
-          <p:spPr>
-            <a:xfrm>
-              <a:off x="2843808" y="3933056"/>
-              <a:ext cx="432048" cy="144016"/>
-            </a:xfrm>
-            <a:prstGeom prst="rect">
-              <a:avLst/>
-            </a:prstGeom>
-            <a:solidFill>
-              <a:schemeClr val="bg1"/>
-            </a:solidFill>
-            <a:ln w="19050">
-              <a:noFill/>
-            </a:ln>
-          </p:spPr>
-          <p:style>
-            <a:lnRef idx="2">
-              <a:schemeClr val="accent1">
-                <a:shade val="50000"/>
-              </a:schemeClr>
-            </a:lnRef>
-            <a:fillRef idx="1">
-              <a:schemeClr val="accent1"/>
-            </a:fillRef>
-            <a:effectRef idx="0">
-              <a:schemeClr val="accent1"/>
-            </a:effectRef>
-            <a:fontRef idx="minor">
-              <a:schemeClr val="lt1"/>
-            </a:fontRef>
-          </p:style>
-          <p:txBody>
-            <a:bodyPr rot="0" spcFirstLastPara="0" vertOverflow="overflow" horzOverflow="overflow" vert="horz" wrap="square" lIns="91440" tIns="45720" rIns="91440" bIns="45720" numCol="1" spcCol="0" rtlCol="0" fromWordArt="0" anchor="t" anchorCtr="0" forceAA="0" compatLnSpc="1">
-              <a:prstTxWarp prst="textNoShape">
-                <a:avLst/>
-              </a:prstTxWarp>
-              <a:spAutoFit/>
-            </a:bodyPr>
-            <a:lstStyle/>
-            <a:p>
-              <a:pPr algn="l"/>
-              <a:endParaRPr lang="ko-KR" altLang="en-US" sz="1400">
-                <a:solidFill>
-                  <a:schemeClr val="tx1"/>
-                </a:solidFill>
-                <a:latin typeface="나눔스퀘어 Bold" panose="020B0600000101010101" pitchFamily="50" charset="-127"/>
-                <a:ea typeface="나눔스퀘어 Bold" panose="020B0600000101010101" pitchFamily="50" charset="-127"/>
-              </a:endParaRPr>
-            </a:p>
-          </p:txBody>
-        </p:sp>
-        <p:sp>
-          <p:nvSpPr>
-            <p:cNvPr id="11" name="직사각형 10">
-              <a:extLst>
-                <a:ext uri="{FF2B5EF4-FFF2-40B4-BE49-F238E27FC236}">
-                  <a16:creationId xmlns:a16="http://schemas.microsoft.com/office/drawing/2014/main" id="{7526F6DC-0B8F-4342-888C-8F41F2508697}"/>
-                </a:ext>
-              </a:extLst>
-            </p:cNvPr>
-            <p:cNvSpPr/>
-            <p:nvPr/>
-          </p:nvSpPr>
-          <p:spPr>
-            <a:xfrm>
-              <a:off x="3136603" y="4376094"/>
-              <a:ext cx="504056" cy="144016"/>
-            </a:xfrm>
-            <a:prstGeom prst="rect">
-              <a:avLst/>
-            </a:prstGeom>
-            <a:solidFill>
-              <a:schemeClr val="bg1"/>
-            </a:solidFill>
-            <a:ln w="19050">
-              <a:noFill/>
-            </a:ln>
-          </p:spPr>
-          <p:style>
-            <a:lnRef idx="2">
-              <a:schemeClr val="accent1">
-                <a:shade val="50000"/>
-              </a:schemeClr>
-            </a:lnRef>
-            <a:fillRef idx="1">
-              <a:schemeClr val="accent1"/>
-            </a:fillRef>
-            <a:effectRef idx="0">
-              <a:schemeClr val="accent1"/>
-            </a:effectRef>
-            <a:fontRef idx="minor">
-              <a:schemeClr val="lt1"/>
-            </a:fontRef>
-          </p:style>
-          <p:txBody>
-            <a:bodyPr rot="0" spcFirstLastPara="0" vertOverflow="overflow" horzOverflow="overflow" vert="horz" wrap="square" lIns="91440" tIns="45720" rIns="91440" bIns="45720" numCol="1" spcCol="0" rtlCol="0" fromWordArt="0" anchor="t" anchorCtr="0" forceAA="0" compatLnSpc="1">
-              <a:prstTxWarp prst="textNoShape">
-                <a:avLst/>
-              </a:prstTxWarp>
-              <a:spAutoFit/>
-            </a:bodyPr>
-            <a:lstStyle/>
-            <a:p>
-              <a:pPr algn="l"/>
-              <a:endParaRPr lang="ko-KR" altLang="en-US" sz="1400">
-                <a:solidFill>
-                  <a:schemeClr val="tx1"/>
-                </a:solidFill>
-                <a:latin typeface="나눔스퀘어 Bold" panose="020B0600000101010101" pitchFamily="50" charset="-127"/>
-                <a:ea typeface="나눔스퀘어 Bold" panose="020B0600000101010101" pitchFamily="50" charset="-127"/>
-              </a:endParaRPr>
-            </a:p>
-          </p:txBody>
-        </p:sp>
-      </p:grpSp>
-      <p:pic>
-        <p:nvPicPr>
-          <p:cNvPr id="5" name="그림 4">
-            <a:extLst>
-              <a:ext uri="{FF2B5EF4-FFF2-40B4-BE49-F238E27FC236}">
-                <a16:creationId xmlns:a16="http://schemas.microsoft.com/office/drawing/2014/main" id="{3766ED1A-B6FE-4CB1-9486-AD602F88E18A}"/>
-              </a:ext>
-            </a:extLst>
-          </p:cNvPr>
-          <p:cNvPicPr>
-            <a:picLocks noChangeAspect="1"/>
-          </p:cNvPicPr>
-          <p:nvPr/>
-        </p:nvPicPr>
-        <p:blipFill>
-          <a:blip r:embed="rId3"/>
-          <a:stretch>
-            <a:fillRect/>
-          </a:stretch>
-        </p:blipFill>
-        <p:spPr>
-          <a:xfrm>
-            <a:off x="1600279" y="2811331"/>
-            <a:ext cx="5126335" cy="3417557"/>
-          </a:xfrm>
-          <a:prstGeom prst="rect">
-            <a:avLst/>
-          </a:prstGeom>
-        </p:spPr>
-      </p:pic>
-      <p:sp>
-        <p:nvSpPr>
-          <p:cNvPr id="8" name="직사각형 7">
-            <a:extLst>
-              <a:ext uri="{FF2B5EF4-FFF2-40B4-BE49-F238E27FC236}">
-                <a16:creationId xmlns:a16="http://schemas.microsoft.com/office/drawing/2014/main" id="{EBE4C1AF-F930-4BF7-9B5D-D0A55DC3FE35}"/>
-              </a:ext>
-            </a:extLst>
-          </p:cNvPr>
-          <p:cNvSpPr/>
-          <p:nvPr/>
-        </p:nvSpPr>
-        <p:spPr>
-          <a:xfrm>
-            <a:off x="1466939" y="3501008"/>
-            <a:ext cx="5393016" cy="2808312"/>
-          </a:xfrm>
-          <a:prstGeom prst="rect">
-            <a:avLst/>
-          </a:prstGeom>
-          <a:noFill/>
-          <a:ln w="19050">
-            <a:solidFill>
-              <a:srgbClr val="FF0000"/>
-            </a:solidFill>
-          </a:ln>
-        </p:spPr>
-        <p:style>
-          <a:lnRef idx="2">
-            <a:schemeClr val="accent1">
-              <a:shade val="50000"/>
-            </a:schemeClr>
-          </a:lnRef>
-          <a:fillRef idx="1">
-            <a:schemeClr val="accent1"/>
-          </a:fillRef>
-          <a:effectRef idx="0">
-            <a:schemeClr val="accent1"/>
-          </a:effectRef>
-          <a:fontRef idx="minor">
-            <a:schemeClr val="lt1"/>
-          </a:fontRef>
-        </p:style>
-        <p:txBody>
-          <a:bodyPr rot="0" spcFirstLastPara="0" vertOverflow="overflow" horzOverflow="overflow" vert="horz" wrap="square" lIns="91440" tIns="45720" rIns="91440" bIns="45720" numCol="1" spcCol="0" rtlCol="0" fromWordArt="0" anchor="ctr" anchorCtr="0" forceAA="0" compatLnSpc="1">
-            <a:prstTxWarp prst="textNoShape">
-              <a:avLst/>
-            </a:prstTxWarp>
-            <a:noAutofit/>
-          </a:bodyPr>
-          <a:lstStyle/>
-          <a:p>
-            <a:pPr algn="ctr"/>
-            <a:endParaRPr lang="ko-KR" altLang="en-US" sz="1400">
-              <a:solidFill>
-                <a:schemeClr val="tx1"/>
-              </a:solidFill>
-              <a:latin typeface="나눔스퀘어 Bold" panose="020B0600000101010101" pitchFamily="50" charset="-127"/>
-              <a:ea typeface="나눔스퀘어 Bold" panose="020B0600000101010101" pitchFamily="50" charset="-127"/>
-            </a:endParaRPr>
-          </a:p>
-        </p:txBody>
-      </p:sp>
-    </p:spTree>
-    <p:extLst>
-      <p:ext uri="{BB962C8B-B14F-4D97-AF65-F5344CB8AC3E}">
-        <p14:creationId xmlns:p14="http://schemas.microsoft.com/office/powerpoint/2010/main" val="141913306"/>
-      </p:ext>
-    </p:extLst>
-  </p:cSld>
-  <p:clrMapOvr>
-    <a:masterClrMapping/>
-  </p:clrMapOvr>
-</p:sld>
-</file>
-
-<file path=ppt/slides/slide16.xml><?xml version="1.0" encoding="utf-8"?>
-<p:sld xmlns:a="http://schemas.openxmlformats.org/drawingml/2006/main" xmlns:r="http://schemas.openxmlformats.org/officeDocument/2006/relationships" xmlns:p="http://schemas.openxmlformats.org/presentationml/2006/main">
-  <p:cSld>
-    <p:spTree>
-      <p:nvGrpSpPr>
-        <p:cNvPr id="1" name=""/>
-        <p:cNvGrpSpPr/>
-        <p:nvPr/>
-      </p:nvGrpSpPr>
-      <p:grpSpPr>
-        <a:xfrm>
-          <a:off x="0" y="0"/>
-          <a:ext cx="0" cy="0"/>
-          <a:chOff x="0" y="0"/>
-          <a:chExt cx="0" cy="0"/>
-        </a:xfrm>
-      </p:grpSpPr>
-      <p:sp>
-        <p:nvSpPr>
-          <p:cNvPr id="9" name="내용 개체 틀 2">
-            <a:extLst>
-              <a:ext uri="{FF2B5EF4-FFF2-40B4-BE49-F238E27FC236}">
-                <a16:creationId xmlns:a16="http://schemas.microsoft.com/office/drawing/2014/main" id="{0371F4DB-13CD-47C3-B2A8-AE9E160ACFE1}"/>
-              </a:ext>
-            </a:extLst>
-          </p:cNvPr>
-          <p:cNvSpPr>
-            <a:spLocks noGrp="1"/>
-          </p:cNvSpPr>
-          <p:nvPr>
-            <p:ph idx="1"/>
-          </p:nvPr>
-        </p:nvSpPr>
-        <p:spPr>
-          <a:xfrm>
-            <a:off x="898237" y="1052736"/>
-            <a:ext cx="8055254" cy="5646444"/>
-          </a:xfrm>
-        </p:spPr>
-        <p:txBody>
-          <a:bodyPr>
-            <a:normAutofit/>
-          </a:bodyPr>
-          <a:lstStyle/>
-          <a:p>
-            <a:r>
-              <a:rPr lang="en-US" altLang="ko-KR" sz="2400"/>
-              <a:t>wordpress</a:t>
-            </a:r>
-            <a:r>
-              <a:rPr lang="ko-KR" altLang="en-US" sz="2400"/>
-              <a:t> 관리자 페이지에 레이아웃이 사라진 경우</a:t>
-            </a:r>
-            <a:endParaRPr lang="en-US" altLang="ko-KR" sz="2400"/>
-          </a:p>
-          <a:p>
-            <a:pPr lvl="1"/>
-            <a:r>
-              <a:rPr lang="ko-KR" altLang="en-US" sz="2000"/>
-              <a:t>플러그인 충돌 의심</a:t>
-            </a:r>
-            <a:endParaRPr lang="en-US" altLang="ko-KR" sz="2000"/>
-          </a:p>
-          <a:p>
-            <a:pPr lvl="1"/>
-            <a:r>
-              <a:rPr lang="ko-KR" altLang="en-US" sz="2000"/>
-              <a:t>플러그인 전체 비활성화 </a:t>
-            </a:r>
-            <a:r>
-              <a:rPr lang="en-US" altLang="ko-KR" sz="2000"/>
-              <a:t>- plugins </a:t>
-            </a:r>
-            <a:r>
-              <a:rPr lang="ko-KR" altLang="en-US" sz="2000"/>
-              <a:t>폴더명 변경시</a:t>
-            </a:r>
-            <a:r>
-              <a:rPr lang="en-US" altLang="ko-KR" sz="2000"/>
-              <a:t>, </a:t>
-            </a:r>
-            <a:r>
-              <a:rPr lang="ko-KR" altLang="en-US" sz="2000"/>
-              <a:t>자동으로 플러그인들이 비활성화 된다</a:t>
-            </a:r>
-            <a:r>
-              <a:rPr lang="en-US" altLang="ko-KR" sz="2000"/>
-              <a:t>.</a:t>
-            </a:r>
-          </a:p>
-          <a:p>
-            <a:pPr lvl="1"/>
-            <a:endParaRPr lang="en-US" altLang="ko-KR" sz="2000"/>
-          </a:p>
-          <a:p>
-            <a:pPr marL="457200" lvl="1" indent="0">
-              <a:buNone/>
-            </a:pPr>
-            <a:endParaRPr lang="en-US" altLang="ko-KR" sz="2000"/>
-          </a:p>
-          <a:p>
-            <a:pPr lvl="1"/>
-            <a:r>
-              <a:rPr lang="ko-KR" altLang="en-US" sz="2000"/>
-              <a:t>이 후</a:t>
-            </a:r>
-            <a:r>
-              <a:rPr lang="en-US" altLang="ko-KR" sz="2000"/>
-              <a:t>, wordpress </a:t>
-            </a:r>
-            <a:r>
-              <a:rPr lang="ko-KR" altLang="en-US" sz="2000"/>
-              <a:t>관리자 페이지에서 활성화 해가며 확인</a:t>
-            </a:r>
-            <a:endParaRPr lang="en-US" altLang="ko-KR" sz="2000"/>
-          </a:p>
-        </p:txBody>
-      </p:sp>
-      <p:sp>
-        <p:nvSpPr>
-          <p:cNvPr id="2" name="제목 1"/>
-          <p:cNvSpPr>
-            <a:spLocks noGrp="1"/>
-          </p:cNvSpPr>
-          <p:nvPr>
-            <p:ph type="title"/>
-          </p:nvPr>
-        </p:nvSpPr>
-        <p:spPr>
-          <a:xfrm>
-            <a:off x="755650" y="158820"/>
-            <a:ext cx="8137525" cy="707886"/>
-          </a:xfrm>
-        </p:spPr>
-        <p:txBody>
-          <a:bodyPr/>
-          <a:lstStyle/>
-          <a:p>
-            <a:r>
-              <a:rPr lang="en-US" altLang="ko-KR"/>
-              <a:t>CS2 </a:t>
-            </a:r>
-            <a:r>
-              <a:rPr lang="ko-KR" altLang="en-US"/>
-              <a:t>속도 개선</a:t>
-            </a:r>
-            <a:endParaRPr lang="ko-KR" altLang="en-US" dirty="0"/>
-          </a:p>
-        </p:txBody>
-      </p:sp>
-      <p:sp>
-        <p:nvSpPr>
-          <p:cNvPr id="10" name="직사각형 9">
-            <a:extLst>
-              <a:ext uri="{FF2B5EF4-FFF2-40B4-BE49-F238E27FC236}">
-                <a16:creationId xmlns:a16="http://schemas.microsoft.com/office/drawing/2014/main" id="{40A1A3DD-AA64-4E83-9B92-C5C259F4DD6B}"/>
-              </a:ext>
-            </a:extLst>
-          </p:cNvPr>
-          <p:cNvSpPr/>
-          <p:nvPr/>
-        </p:nvSpPr>
-        <p:spPr>
-          <a:xfrm>
-            <a:off x="1489157" y="2708920"/>
-            <a:ext cx="6912768" cy="307777"/>
-          </a:xfrm>
-          <a:prstGeom prst="rect">
-            <a:avLst/>
-          </a:prstGeom>
-          <a:solidFill>
-            <a:srgbClr val="FFFF99"/>
-          </a:solidFill>
-          <a:ln w="19050">
-            <a:noFill/>
-          </a:ln>
-        </p:spPr>
-        <p:style>
-          <a:lnRef idx="2">
-            <a:schemeClr val="accent1">
-              <a:shade val="50000"/>
-            </a:schemeClr>
-          </a:lnRef>
-          <a:fillRef idx="1">
-            <a:schemeClr val="accent1"/>
-          </a:fillRef>
-          <a:effectRef idx="0">
-            <a:schemeClr val="accent1"/>
-          </a:effectRef>
-          <a:fontRef idx="minor">
-            <a:schemeClr val="lt1"/>
-          </a:fontRef>
-        </p:style>
-        <p:txBody>
-          <a:bodyPr rot="0" spcFirstLastPara="0" vertOverflow="overflow" horzOverflow="overflow" vert="horz" wrap="square" lIns="91440" tIns="45720" rIns="91440" bIns="45720" numCol="1" spcCol="0" rtlCol="0" fromWordArt="0" anchor="t" anchorCtr="0" forceAA="0" compatLnSpc="1">
-            <a:prstTxWarp prst="textNoShape">
-              <a:avLst/>
-            </a:prstTxWarp>
-            <a:spAutoFit/>
-          </a:bodyPr>
-          <a:lstStyle/>
-          <a:p>
-            <a:r>
-              <a:rPr lang="en-US" altLang="ko-KR" sz="1400">
-                <a:solidFill>
-                  <a:schemeClr val="tx1"/>
-                </a:solidFill>
-                <a:latin typeface="나눔스퀘어 Bold" panose="020B0600000101010101" pitchFamily="50" charset="-127"/>
-                <a:ea typeface="나눔스퀘어 Bold" panose="020B0600000101010101" pitchFamily="50" charset="-127"/>
-              </a:rPr>
-              <a:t>$/var/www/wordpress/wp-content/plugins</a:t>
-            </a:r>
-            <a:endParaRPr lang="ko-KR" altLang="en-US" sz="1400">
-              <a:solidFill>
-                <a:schemeClr val="tx1"/>
-              </a:solidFill>
-              <a:latin typeface="나눔스퀘어 Bold" panose="020B0600000101010101" pitchFamily="50" charset="-127"/>
-              <a:ea typeface="나눔스퀘어 Bold" panose="020B0600000101010101" pitchFamily="50" charset="-127"/>
-            </a:endParaRPr>
-          </a:p>
-        </p:txBody>
-      </p:sp>
-    </p:spTree>
-    <p:extLst>
-      <p:ext uri="{BB962C8B-B14F-4D97-AF65-F5344CB8AC3E}">
-        <p14:creationId xmlns:p14="http://schemas.microsoft.com/office/powerpoint/2010/main" val="4204921284"/>
-      </p:ext>
-    </p:extLst>
-  </p:cSld>
-  <p:clrMapOvr>
-    <a:masterClrMapping/>
-  </p:clrMapOvr>
-</p:sld>
-</file>
-
-<file path=ppt/slides/slide17.xml><?xml version="1.0" encoding="utf-8"?>
-<p:sld xmlns:a="http://schemas.openxmlformats.org/drawingml/2006/main" xmlns:r="http://schemas.openxmlformats.org/officeDocument/2006/relationships" xmlns:p="http://schemas.openxmlformats.org/presentationml/2006/main">
-  <p:cSld>
-    <p:spTree>
-      <p:nvGrpSpPr>
-        <p:cNvPr id="1" name=""/>
-        <p:cNvGrpSpPr/>
-        <p:nvPr/>
-      </p:nvGrpSpPr>
-      <p:grpSpPr>
-        <a:xfrm>
-          <a:off x="0" y="0"/>
-          <a:ext cx="0" cy="0"/>
-          <a:chOff x="0" y="0"/>
-          <a:chExt cx="0" cy="0"/>
-        </a:xfrm>
-      </p:grpSpPr>
-      <p:sp>
-        <p:nvSpPr>
-          <p:cNvPr id="9" name="내용 개체 틀 2">
-            <a:extLst>
-              <a:ext uri="{FF2B5EF4-FFF2-40B4-BE49-F238E27FC236}">
-                <a16:creationId xmlns:a16="http://schemas.microsoft.com/office/drawing/2014/main" id="{0371F4DB-13CD-47C3-B2A8-AE9E160ACFE1}"/>
-              </a:ext>
-            </a:extLst>
-          </p:cNvPr>
-          <p:cNvSpPr>
-            <a:spLocks noGrp="1"/>
-          </p:cNvSpPr>
-          <p:nvPr>
-            <p:ph idx="1"/>
-          </p:nvPr>
-        </p:nvSpPr>
-        <p:spPr>
-          <a:xfrm>
-            <a:off x="898237" y="1052736"/>
-            <a:ext cx="8055254" cy="5646444"/>
-          </a:xfrm>
-        </p:spPr>
-        <p:txBody>
-          <a:bodyPr>
-            <a:normAutofit/>
-          </a:bodyPr>
-          <a:lstStyle/>
-          <a:p>
-            <a:r>
-              <a:rPr lang="ko-KR" altLang="en-US" sz="2400"/>
-              <a:t>고유주소 설정 문제</a:t>
-            </a:r>
-            <a:endParaRPr lang="en-US" altLang="ko-KR" sz="2400"/>
-          </a:p>
-          <a:p>
-            <a:pPr lvl="1"/>
-            <a:r>
-              <a:rPr lang="en-US" altLang="ko-KR" sz="2000"/>
-              <a:t>[</a:t>
-            </a:r>
-            <a:r>
-              <a:rPr lang="ko-KR" altLang="en-US" sz="2000"/>
-              <a:t>글 이름</a:t>
-            </a:r>
-            <a:r>
-              <a:rPr lang="en-US" altLang="ko-KR" sz="2000"/>
-              <a:t>]</a:t>
-            </a:r>
-            <a:r>
-              <a:rPr lang="ko-KR" altLang="en-US" sz="2000"/>
-              <a:t> 으로 설정 시</a:t>
-            </a:r>
-            <a:r>
-              <a:rPr lang="en-US" altLang="ko-KR" sz="2000"/>
-              <a:t>, </a:t>
-            </a:r>
-            <a:r>
-              <a:rPr lang="ko-KR" altLang="en-US" sz="2000"/>
-              <a:t>한글 주소가 깨져서 제대로 경로를 찾지 못함</a:t>
-            </a:r>
-            <a:r>
-              <a:rPr lang="en-US" altLang="ko-KR" sz="2000"/>
-              <a:t>.</a:t>
-            </a:r>
-          </a:p>
-          <a:p>
-            <a:pPr lvl="1"/>
-            <a:r>
-              <a:rPr lang="ko-KR" altLang="en-US" sz="2000"/>
-              <a:t>현재 </a:t>
-            </a:r>
-            <a:r>
-              <a:rPr lang="en-US" altLang="ko-KR" sz="2000"/>
-              <a:t>[</a:t>
-            </a:r>
-            <a:r>
-              <a:rPr lang="ko-KR" altLang="en-US" sz="2000"/>
-              <a:t>기본</a:t>
-            </a:r>
-            <a:r>
-              <a:rPr lang="en-US" altLang="ko-KR" sz="2000"/>
-              <a:t>] </a:t>
-            </a:r>
-            <a:r>
-              <a:rPr lang="ko-KR" altLang="en-US" sz="2000"/>
-              <a:t>으로 설정한 상태</a:t>
-            </a:r>
-            <a:r>
-              <a:rPr lang="en-US" altLang="ko-KR" sz="2000"/>
-              <a:t> </a:t>
-            </a:r>
-          </a:p>
-        </p:txBody>
-      </p:sp>
-      <p:sp>
-        <p:nvSpPr>
-          <p:cNvPr id="2" name="제목 1"/>
-          <p:cNvSpPr>
-            <a:spLocks noGrp="1"/>
-          </p:cNvSpPr>
-          <p:nvPr>
-            <p:ph type="title"/>
-          </p:nvPr>
-        </p:nvSpPr>
-        <p:spPr>
-          <a:xfrm>
-            <a:off x="755650" y="158820"/>
-            <a:ext cx="8137525" cy="707886"/>
-          </a:xfrm>
-        </p:spPr>
-        <p:txBody>
-          <a:bodyPr/>
-          <a:lstStyle/>
-          <a:p>
-            <a:r>
-              <a:rPr lang="ko-KR" altLang="en-US"/>
-              <a:t>추후 해결해야할 문제</a:t>
-            </a:r>
-            <a:endParaRPr lang="ko-KR" altLang="en-US" dirty="0"/>
-          </a:p>
-        </p:txBody>
-      </p:sp>
-      <p:pic>
-        <p:nvPicPr>
-          <p:cNvPr id="3" name="그림 2">
-            <a:extLst>
-              <a:ext uri="{FF2B5EF4-FFF2-40B4-BE49-F238E27FC236}">
-                <a16:creationId xmlns:a16="http://schemas.microsoft.com/office/drawing/2014/main" id="{28271FF6-62F4-493E-AB1B-B2EBF9B0F26F}"/>
-              </a:ext>
-            </a:extLst>
-          </p:cNvPr>
-          <p:cNvPicPr>
-            <a:picLocks noChangeAspect="1"/>
-          </p:cNvPicPr>
-          <p:nvPr/>
-        </p:nvPicPr>
-        <p:blipFill>
-          <a:blip r:embed="rId3"/>
-          <a:stretch>
-            <a:fillRect/>
-          </a:stretch>
-        </p:blipFill>
-        <p:spPr>
-          <a:xfrm>
-            <a:off x="2081548" y="2708920"/>
-            <a:ext cx="5688632" cy="3671387"/>
-          </a:xfrm>
-          <a:prstGeom prst="rect">
-            <a:avLst/>
-          </a:prstGeom>
-        </p:spPr>
-      </p:pic>
-    </p:spTree>
-    <p:extLst>
-      <p:ext uri="{BB962C8B-B14F-4D97-AF65-F5344CB8AC3E}">
-        <p14:creationId xmlns:p14="http://schemas.microsoft.com/office/powerpoint/2010/main" val="1932870642"/>
-      </p:ext>
-    </p:extLst>
-  </p:cSld>
-  <p:clrMapOvr>
-    <a:masterClrMapping/>
-  </p:clrMapOvr>
-</p:sld>
-</file>
-
-<file path=ppt/slides/slide18.xml><?xml version="1.0" encoding="utf-8"?>
-<p:sld xmlns:a="http://schemas.openxmlformats.org/drawingml/2006/main" xmlns:r="http://schemas.openxmlformats.org/officeDocument/2006/relationships" xmlns:p="http://schemas.openxmlformats.org/presentationml/2006/main">
-  <p:cSld>
-    <p:spTree>
-      <p:nvGrpSpPr>
-        <p:cNvPr id="1" name=""/>
-        <p:cNvGrpSpPr/>
-        <p:nvPr/>
-      </p:nvGrpSpPr>
-      <p:grpSpPr>
-        <a:xfrm>
-          <a:off x="0" y="0"/>
-          <a:ext cx="0" cy="0"/>
-          <a:chOff x="0" y="0"/>
-          <a:chExt cx="0" cy="0"/>
-        </a:xfrm>
-      </p:grpSpPr>
-    </p:spTree>
-    <p:extLst>
-      <p:ext uri="{BB962C8B-B14F-4D97-AF65-F5344CB8AC3E}">
-        <p14:creationId xmlns:p14="http://schemas.microsoft.com/office/powerpoint/2010/main" val="2456753524"/>
-      </p:ext>
-    </p:extLst>
-  </p:cSld>
-  <p:clrMapOvr>
-    <a:masterClrMapping/>
-  </p:clrMapOvr>
-</p:sld>
-</file>
-
 <file path=ppt/slides/slide2.xml><?xml version="1.0" encoding="utf-8"?>
 <p:sld xmlns:a="http://schemas.openxmlformats.org/drawingml/2006/main" xmlns:r="http://schemas.openxmlformats.org/officeDocument/2006/relationships" xmlns:p="http://schemas.openxmlformats.org/presentationml/2006/main">
   <p:cSld>
@@ -8803,125 +4886,82 @@
           <a:lstStyle/>
           <a:p>
             <a:r>
-              <a:rPr lang="ko-KR" altLang="en-US"/>
+              <a:rPr lang="ko-KR" altLang="en-US" dirty="0"/>
               <a:t>구성도 수정</a:t>
             </a:r>
-            <a:endParaRPr lang="en-US" altLang="ko-KR"/>
+            <a:endParaRPr lang="en-US" altLang="ko-KR" dirty="0"/>
           </a:p>
           <a:p>
             <a:pPr lvl="1"/>
             <a:r>
-              <a:rPr lang="en-US" altLang="ko-KR"/>
+              <a:rPr lang="en-US" altLang="ko-KR" dirty="0"/>
               <a:t>IoT</a:t>
             </a:r>
             <a:r>
-              <a:rPr lang="ko-KR" altLang="en-US"/>
+              <a:rPr lang="ko-KR" altLang="en-US" dirty="0"/>
               <a:t> </a:t>
             </a:r>
             <a:r>
-              <a:rPr lang="en-US" altLang="ko-KR"/>
+              <a:rPr lang="en-US" altLang="ko-KR" dirty="0"/>
               <a:t>Management</a:t>
             </a:r>
             <a:r>
-              <a:rPr lang="ko-KR" altLang="en-US"/>
+              <a:rPr lang="ko-KR" altLang="en-US" dirty="0"/>
               <a:t> → </a:t>
             </a:r>
             <a:r>
-              <a:rPr lang="en-US" altLang="ko-KR"/>
+              <a:rPr lang="en-US" altLang="ko-KR" dirty="0"/>
               <a:t>Device Agent</a:t>
             </a:r>
             <a:br>
-              <a:rPr lang="en-US" altLang="ko-KR"/>
+              <a:rPr lang="en-US" altLang="ko-KR" dirty="0"/>
             </a:br>
             <a:r>
-              <a:rPr lang="ko-KR" altLang="en-US"/>
+              <a:rPr lang="ko-KR" altLang="en-US" dirty="0"/>
               <a:t>내부 요소 세분화</a:t>
             </a:r>
-            <a:endParaRPr lang="en-US" altLang="ko-KR"/>
+            <a:endParaRPr lang="en-US" altLang="ko-KR" dirty="0"/>
           </a:p>
           <a:p>
             <a:pPr lvl="2"/>
             <a:r>
-              <a:rPr lang="en-US" altLang="ko-KR"/>
+              <a:rPr lang="en-US" altLang="ko-KR" dirty="0"/>
               <a:t>Device Discovery</a:t>
             </a:r>
           </a:p>
           <a:p>
             <a:pPr lvl="2"/>
             <a:r>
-              <a:rPr lang="en-US" altLang="ko-KR"/>
-              <a:t>MetaData Collecter</a:t>
-            </a:r>
+              <a:rPr lang="en-US" altLang="ko-KR" dirty="0" err="1"/>
+              <a:t>MetaData</a:t>
+            </a:r>
+            <a:r>
+              <a:rPr lang="en-US" altLang="ko-KR" dirty="0"/>
+              <a:t> </a:t>
+            </a:r>
+            <a:r>
+              <a:rPr lang="en-US" altLang="ko-KR" dirty="0" err="1"/>
+              <a:t>Collecter</a:t>
+            </a:r>
+            <a:endParaRPr lang="en-US" altLang="ko-KR" dirty="0"/>
           </a:p>
           <a:p>
             <a:pPr lvl="2"/>
             <a:r>
-              <a:rPr lang="en-US" altLang="ko-KR"/>
+              <a:rPr lang="en-US" altLang="ko-KR" dirty="0"/>
               <a:t>Script Writer</a:t>
             </a:r>
           </a:p>
           <a:p>
             <a:r>
-              <a:rPr lang="en-US" altLang="ko-KR"/>
+              <a:rPr lang="en-US" altLang="ko-KR" dirty="0"/>
               <a:t>Device Agent </a:t>
             </a:r>
             <a:r>
               <a:rPr lang="ko-KR" altLang="en-US"/>
               <a:t>수정</a:t>
             </a:r>
-            <a:endParaRPr lang="en-US" altLang="ko-KR"/>
-          </a:p>
-          <a:p>
-            <a:endParaRPr lang="en-US" altLang="ko-KR" sz="2000"/>
-          </a:p>
-          <a:p>
-            <a:r>
-              <a:rPr lang="en-US" altLang="ko-KR"/>
-              <a:t>CS2 </a:t>
-            </a:r>
-            <a:r>
-              <a:rPr lang="ko-KR" altLang="en-US"/>
-              <a:t>속도 개선</a:t>
-            </a:r>
-            <a:endParaRPr lang="en-US" altLang="ko-KR" sz="3200"/>
-          </a:p>
-          <a:p>
-            <a:pPr lvl="1"/>
-            <a:r>
-              <a:rPr lang="en-US" altLang="ko-KR" sz="2000"/>
-              <a:t>OS</a:t>
-            </a:r>
-            <a:r>
-              <a:rPr lang="ko-KR" altLang="en-US" sz="2000"/>
-              <a:t> </a:t>
-            </a:r>
-            <a:r>
-              <a:rPr lang="en-US" altLang="ko-KR" sz="2000"/>
-              <a:t>:</a:t>
-            </a:r>
-            <a:r>
-              <a:rPr lang="ko-KR" altLang="en-US" sz="2000"/>
-              <a:t> </a:t>
-            </a:r>
-            <a:r>
-              <a:rPr lang="en-US" altLang="ko-KR" sz="2000"/>
-              <a:t>Ubuntu</a:t>
-            </a:r>
-            <a:r>
-              <a:rPr lang="ko-KR" altLang="en-US" sz="2000"/>
-              <a:t> </a:t>
-            </a:r>
-            <a:r>
-              <a:rPr lang="en-US" altLang="ko-KR" sz="2000"/>
-              <a:t>16.04</a:t>
-            </a:r>
-          </a:p>
-          <a:p>
-            <a:pPr lvl="1"/>
-            <a:r>
-              <a:rPr lang="en-US" altLang="ko-KR" sz="2000"/>
-              <a:t>wordpress : 4.7.5</a:t>
-            </a:r>
+            <a:endParaRPr lang="en-US" altLang="ko-KR" dirty="0"/>
           </a:p>
         </p:txBody>
       </p:sp>
@@ -10125,768 +6165,10 @@
           <a:chExt cx="0" cy="0"/>
         </a:xfrm>
       </p:grpSpPr>
-      <p:sp>
-        <p:nvSpPr>
-          <p:cNvPr id="9" name="내용 개체 틀 2">
-            <a:extLst>
-              <a:ext uri="{FF2B5EF4-FFF2-40B4-BE49-F238E27FC236}">
-                <a16:creationId xmlns:a16="http://schemas.microsoft.com/office/drawing/2014/main" id="{0371F4DB-13CD-47C3-B2A8-AE9E160ACFE1}"/>
-              </a:ext>
-            </a:extLst>
-          </p:cNvPr>
-          <p:cNvSpPr>
-            <a:spLocks noGrp="1"/>
-          </p:cNvSpPr>
-          <p:nvPr>
-            <p:ph idx="1"/>
-          </p:nvPr>
-        </p:nvSpPr>
-        <p:spPr>
-          <a:xfrm>
-            <a:off x="898237" y="1052736"/>
-            <a:ext cx="8055254" cy="5646444"/>
-          </a:xfrm>
-        </p:spPr>
-        <p:txBody>
-          <a:bodyPr>
-            <a:normAutofit/>
-          </a:bodyPr>
-          <a:lstStyle/>
-          <a:p>
-            <a:r>
-              <a:rPr lang="ko-KR" altLang="en-US" sz="2400"/>
-              <a:t>이전 방식</a:t>
-            </a:r>
-            <a:endParaRPr lang="en-US" altLang="ko-KR" sz="2400"/>
-          </a:p>
-          <a:p>
-            <a:pPr lvl="1"/>
-            <a:r>
-              <a:rPr lang="en-US" altLang="ko-KR" sz="2000"/>
-              <a:t>(</a:t>
-            </a:r>
-            <a:r>
-              <a:rPr lang="ko-KR" altLang="en-US" sz="2000"/>
-              <a:t>구</a:t>
-            </a:r>
-            <a:r>
-              <a:rPr lang="en-US" altLang="ko-KR" sz="2000"/>
-              <a:t>) </a:t>
-            </a:r>
-            <a:r>
-              <a:rPr lang="ko-KR" altLang="en-US" sz="2000"/>
-              <a:t>봉서산 </a:t>
-            </a:r>
-            <a:r>
-              <a:rPr lang="en-US" altLang="ko-KR" sz="2000"/>
-              <a:t>HDD : 300GB </a:t>
-            </a:r>
-            <a:r>
-              <a:rPr lang="en-US" altLang="ko-KR" sz="1800"/>
-              <a:t>(Ubuntu 14.04)</a:t>
-            </a:r>
-            <a:r>
-              <a:rPr lang="en-US" altLang="ko-KR" sz="2000"/>
-              <a:t> + 300GB </a:t>
-            </a:r>
-            <a:r>
-              <a:rPr lang="en-US" altLang="ko-KR" sz="1800"/>
-              <a:t>(Backup)</a:t>
-            </a:r>
-          </a:p>
-          <a:p>
-            <a:pPr lvl="1"/>
-            <a:r>
-              <a:rPr lang="ko-KR" altLang="en-US" sz="2000"/>
-              <a:t>기존에 설치되어있던 </a:t>
-            </a:r>
-            <a:r>
-              <a:rPr lang="en-US" altLang="ko-KR" sz="2000"/>
-              <a:t>HDD</a:t>
-            </a:r>
-            <a:r>
-              <a:rPr lang="ko-KR" altLang="en-US" sz="2000"/>
-              <a:t>를 새로 구매한 </a:t>
-            </a:r>
-            <a:r>
-              <a:rPr lang="en-US" altLang="ko-KR" sz="2000"/>
-              <a:t>2TB HDD</a:t>
-            </a:r>
-            <a:r>
-              <a:rPr lang="ko-KR" altLang="en-US" sz="2000"/>
-              <a:t>에 </a:t>
-            </a:r>
-            <a:r>
-              <a:rPr lang="en-US" altLang="ko-KR" sz="2000"/>
-              <a:t>dump.</a:t>
-            </a:r>
-          </a:p>
-          <a:p>
-            <a:pPr lvl="1"/>
-            <a:endParaRPr lang="en-US" altLang="ko-KR" sz="2000"/>
-          </a:p>
-          <a:p>
-            <a:pPr lvl="1"/>
-            <a:r>
-              <a:rPr lang="ko-KR" altLang="en-US" sz="2000"/>
-              <a:t>이전 </a:t>
-            </a:r>
-            <a:r>
-              <a:rPr lang="en-US" altLang="ko-KR" sz="2000"/>
-              <a:t>Backup HDD, </a:t>
-            </a:r>
-            <a:r>
-              <a:rPr lang="ko-KR" altLang="en-US" sz="2000"/>
-              <a:t>외장 하드는 동일하게 사용</a:t>
-            </a:r>
-            <a:r>
-              <a:rPr lang="en-US" altLang="ko-KR" sz="2000"/>
-              <a:t>. </a:t>
-            </a:r>
-            <a:r>
-              <a:rPr lang="ko-KR" altLang="en-US" sz="2000"/>
-              <a:t>따라서 </a:t>
-            </a:r>
-            <a:r>
-              <a:rPr lang="en-US" altLang="ko-KR" sz="2000"/>
-              <a:t>OS</a:t>
-            </a:r>
-            <a:r>
-              <a:rPr lang="ko-KR" altLang="en-US" sz="2000"/>
-              <a:t>가 설치된 </a:t>
-            </a:r>
-            <a:r>
-              <a:rPr lang="en-US" altLang="ko-KR" sz="2000"/>
-              <a:t>HDD</a:t>
-            </a:r>
-            <a:r>
-              <a:rPr lang="ko-KR" altLang="en-US" sz="2000"/>
-              <a:t>의 용량만 늘려 사용</a:t>
-            </a:r>
-            <a:endParaRPr lang="en-US" altLang="ko-KR" sz="2000"/>
-          </a:p>
-          <a:p>
-            <a:pPr lvl="1"/>
-            <a:endParaRPr lang="en-US" altLang="ko-KR" sz="2000"/>
-          </a:p>
-          <a:p>
-            <a:r>
-              <a:rPr lang="ko-KR" altLang="en-US" sz="2400"/>
-              <a:t>이전 방식 문제점</a:t>
-            </a:r>
-            <a:endParaRPr lang="en-US" altLang="ko-KR" sz="2400"/>
-          </a:p>
-          <a:p>
-            <a:pPr lvl="1"/>
-            <a:r>
-              <a:rPr lang="en-US" altLang="ko-KR" sz="2000"/>
-              <a:t>(</a:t>
-            </a:r>
-            <a:r>
-              <a:rPr lang="ko-KR" altLang="en-US" sz="2000"/>
-              <a:t>구</a:t>
-            </a:r>
-            <a:r>
-              <a:rPr lang="en-US" altLang="ko-KR" sz="2000"/>
-              <a:t>) </a:t>
-            </a:r>
-            <a:r>
-              <a:rPr lang="ko-KR" altLang="en-US" sz="2000"/>
-              <a:t>봉서산 </a:t>
-            </a:r>
-            <a:r>
-              <a:rPr lang="en-US" altLang="ko-KR" sz="2000"/>
-              <a:t>HDD</a:t>
-            </a:r>
-            <a:r>
-              <a:rPr lang="ko-KR" altLang="en-US" sz="2000"/>
-              <a:t>와 속도차이가 거의 없음</a:t>
-            </a:r>
-            <a:r>
-              <a:rPr lang="en-US" altLang="ko-KR" sz="2000"/>
-              <a:t>.</a:t>
-            </a:r>
-          </a:p>
-          <a:p>
-            <a:pPr lvl="2"/>
-            <a:r>
-              <a:rPr lang="ko-KR" altLang="en-US" sz="1600"/>
-              <a:t>장기간 사용한 </a:t>
-            </a:r>
-            <a:r>
-              <a:rPr lang="en-US" altLang="ko-KR" sz="1600"/>
-              <a:t>HDD</a:t>
-            </a:r>
-            <a:r>
-              <a:rPr lang="ko-KR" altLang="en-US" sz="1600"/>
-              <a:t>의 환경을 그대로 가져왔으므로 속도향상 기대 어려움</a:t>
-            </a:r>
-            <a:endParaRPr lang="en-US" altLang="ko-KR" sz="1600"/>
-          </a:p>
-          <a:p>
-            <a:pPr lvl="1"/>
-            <a:r>
-              <a:rPr lang="en-US" altLang="ko-KR" sz="2000"/>
-              <a:t>GRUB</a:t>
-            </a:r>
-            <a:r>
-              <a:rPr lang="ko-KR" altLang="en-US" sz="2000"/>
-              <a:t> </a:t>
-            </a:r>
-            <a:r>
-              <a:rPr lang="en-US" altLang="ko-KR" sz="2000"/>
-              <a:t>timeout</a:t>
-            </a:r>
-            <a:r>
-              <a:rPr lang="ko-KR" altLang="en-US" sz="2000"/>
-              <a:t> 설정 미반영</a:t>
-            </a:r>
-            <a:endParaRPr lang="en-US" altLang="ko-KR" sz="2000"/>
-          </a:p>
-          <a:p>
-            <a:pPr lvl="2"/>
-            <a:r>
-              <a:rPr lang="ko-KR" altLang="en-US" sz="1600"/>
-              <a:t>부팅 시</a:t>
-            </a:r>
-            <a:r>
-              <a:rPr lang="en-US" altLang="ko-KR" sz="1600"/>
-              <a:t>, GRUB </a:t>
-            </a:r>
-            <a:r>
-              <a:rPr lang="ko-KR" altLang="en-US" sz="1600"/>
-              <a:t>화면에서 엔터를 누르기 전까지 부팅되지 않음</a:t>
-            </a:r>
-            <a:r>
-              <a:rPr lang="en-US" altLang="ko-KR" sz="1600"/>
-              <a:t>.	</a:t>
-            </a:r>
-          </a:p>
-          <a:p>
-            <a:pPr lvl="2"/>
-            <a:r>
-              <a:rPr lang="en-US" altLang="ko-KR" sz="1600"/>
-              <a:t>GRUB </a:t>
-            </a:r>
-            <a:r>
-              <a:rPr lang="ko-KR" altLang="en-US" sz="1600"/>
-              <a:t>설정을 변경하여도 반영되지 않음</a:t>
-            </a:r>
-            <a:endParaRPr lang="en-US" altLang="ko-KR" sz="1600"/>
-          </a:p>
-        </p:txBody>
-      </p:sp>
-      <p:sp>
-        <p:nvSpPr>
-          <p:cNvPr id="2" name="제목 1"/>
-          <p:cNvSpPr>
-            <a:spLocks noGrp="1"/>
-          </p:cNvSpPr>
-          <p:nvPr>
-            <p:ph type="title"/>
-          </p:nvPr>
-        </p:nvSpPr>
-        <p:spPr>
-          <a:xfrm>
-            <a:off x="755650" y="158820"/>
-            <a:ext cx="8137525" cy="707886"/>
-          </a:xfrm>
-        </p:spPr>
-        <p:txBody>
-          <a:bodyPr/>
-          <a:lstStyle/>
-          <a:p>
-            <a:r>
-              <a:rPr lang="en-US" altLang="ko-KR"/>
-              <a:t>CS2 </a:t>
-            </a:r>
-            <a:r>
-              <a:rPr lang="ko-KR" altLang="en-US"/>
-              <a:t>속도 개선</a:t>
-            </a:r>
-            <a:endParaRPr lang="ko-KR" altLang="en-US" dirty="0"/>
-          </a:p>
-        </p:txBody>
-      </p:sp>
     </p:spTree>
     <p:extLst>
       <p:ext uri="{BB962C8B-B14F-4D97-AF65-F5344CB8AC3E}">
-        <p14:creationId xmlns:p14="http://schemas.microsoft.com/office/powerpoint/2010/main" val="3280254913"/>
-      </p:ext>
-    </p:extLst>
-  </p:cSld>
-  <p:clrMapOvr>
-    <a:masterClrMapping/>
-  </p:clrMapOvr>
-</p:sld>
-</file>
-
-<file path=ppt/slides/slide9.xml><?xml version="1.0" encoding="utf-8"?>
-<p:sld xmlns:a="http://schemas.openxmlformats.org/drawingml/2006/main" xmlns:r="http://schemas.openxmlformats.org/officeDocument/2006/relationships" xmlns:p="http://schemas.openxmlformats.org/presentationml/2006/main">
-  <p:cSld>
-    <p:spTree>
-      <p:nvGrpSpPr>
-        <p:cNvPr id="1" name=""/>
-        <p:cNvGrpSpPr/>
-        <p:nvPr/>
-      </p:nvGrpSpPr>
-      <p:grpSpPr>
-        <a:xfrm>
-          <a:off x="0" y="0"/>
-          <a:ext cx="0" cy="0"/>
-          <a:chOff x="0" y="0"/>
-          <a:chExt cx="0" cy="0"/>
-        </a:xfrm>
-      </p:grpSpPr>
-      <p:sp>
-        <p:nvSpPr>
-          <p:cNvPr id="9" name="내용 개체 틀 2">
-            <a:extLst>
-              <a:ext uri="{FF2B5EF4-FFF2-40B4-BE49-F238E27FC236}">
-                <a16:creationId xmlns:a16="http://schemas.microsoft.com/office/drawing/2014/main" id="{0371F4DB-13CD-47C3-B2A8-AE9E160ACFE1}"/>
-              </a:ext>
-            </a:extLst>
-          </p:cNvPr>
-          <p:cNvSpPr>
-            <a:spLocks noGrp="1"/>
-          </p:cNvSpPr>
-          <p:nvPr>
-            <p:ph idx="1"/>
-          </p:nvPr>
-        </p:nvSpPr>
-        <p:spPr>
-          <a:xfrm>
-            <a:off x="898237" y="1052736"/>
-            <a:ext cx="8055254" cy="5646444"/>
-          </a:xfrm>
-        </p:spPr>
-        <p:txBody>
-          <a:bodyPr>
-            <a:normAutofit/>
-          </a:bodyPr>
-          <a:lstStyle/>
-          <a:p>
-            <a:r>
-              <a:rPr lang="ko-KR" altLang="en-US" sz="2400"/>
-              <a:t>개선 사항</a:t>
-            </a:r>
-          </a:p>
-          <a:p>
-            <a:pPr lvl="1"/>
-            <a:r>
-              <a:rPr lang="en-US" altLang="ko-KR" sz="2000"/>
-              <a:t>Ubuntu 16.04 LTS </a:t>
-            </a:r>
-            <a:r>
-              <a:rPr lang="ko-KR" altLang="en-US" sz="2000"/>
-              <a:t>설치 후</a:t>
-            </a:r>
-            <a:r>
-              <a:rPr lang="en-US" altLang="ko-KR" sz="2000"/>
-              <a:t>, Wordpress, APM</a:t>
-            </a:r>
-            <a:r>
-              <a:rPr lang="ko-KR" altLang="en-US" sz="2000"/>
-              <a:t>을 따로 설치</a:t>
-            </a:r>
-            <a:r>
-              <a:rPr lang="en-US" altLang="ko-KR" sz="2000"/>
-              <a:t>.</a:t>
-            </a:r>
-          </a:p>
-          <a:p>
-            <a:pPr lvl="1"/>
-            <a:r>
-              <a:rPr lang="en-US" altLang="ko-KR" sz="2000"/>
-              <a:t>APM : Apache2, php</a:t>
-            </a:r>
-          </a:p>
-          <a:p>
-            <a:endParaRPr lang="en-US" altLang="ko-KR" sz="2400"/>
-          </a:p>
-          <a:p>
-            <a:r>
-              <a:rPr lang="en-US" altLang="ko-KR" sz="2400"/>
-              <a:t>Wordpress </a:t>
-            </a:r>
-            <a:r>
-              <a:rPr lang="ko-KR" altLang="en-US" sz="2400"/>
-              <a:t>백업</a:t>
-            </a:r>
-          </a:p>
-          <a:p>
-            <a:pPr lvl="1"/>
-            <a:r>
-              <a:rPr lang="en-US" altLang="ko-KR" sz="2000"/>
-              <a:t>(</a:t>
-            </a:r>
-            <a:r>
-              <a:rPr lang="ko-KR" altLang="en-US" sz="2000"/>
-              <a:t>구</a:t>
-            </a:r>
-            <a:r>
-              <a:rPr lang="en-US" altLang="ko-KR" sz="2000"/>
-              <a:t>) </a:t>
-            </a:r>
-            <a:r>
-              <a:rPr lang="ko-KR" altLang="en-US" sz="2000"/>
-              <a:t>봉서산 </a:t>
-            </a:r>
-            <a:r>
-              <a:rPr lang="en-US" altLang="ko-KR" sz="2000"/>
-              <a:t>HDD</a:t>
-            </a:r>
-            <a:r>
-              <a:rPr lang="ko-KR" altLang="en-US" sz="2000"/>
-              <a:t>의 </a:t>
-            </a:r>
-            <a:r>
-              <a:rPr lang="en-US" altLang="ko-KR" sz="2000"/>
-              <a:t>Wordpress </a:t>
-            </a:r>
-            <a:r>
-              <a:rPr lang="ko-KR" altLang="en-US" sz="2000"/>
-              <a:t>폴더 백업</a:t>
-            </a:r>
-          </a:p>
-          <a:p>
-            <a:pPr lvl="1"/>
-            <a:r>
-              <a:rPr lang="en-US" altLang="ko-KR" sz="2000"/>
-              <a:t>/var/www/wordpress</a:t>
-            </a:r>
-          </a:p>
-          <a:p>
-            <a:pPr lvl="1"/>
-            <a:endParaRPr lang="en-US" altLang="ko-KR" sz="2000"/>
-          </a:p>
-          <a:p>
-            <a:pPr lvl="1"/>
-            <a:endParaRPr lang="en-US" altLang="ko-KR" sz="2000"/>
-          </a:p>
-          <a:p>
-            <a:r>
-              <a:rPr lang="en-US" altLang="ko-KR" sz="2400"/>
-              <a:t>Mysql</a:t>
-            </a:r>
-            <a:r>
-              <a:rPr lang="ko-KR" altLang="en-US" sz="2400"/>
-              <a:t> </a:t>
-            </a:r>
-            <a:r>
-              <a:rPr lang="en-US" altLang="ko-KR" sz="2400"/>
-              <a:t>dump</a:t>
-            </a:r>
-          </a:p>
-          <a:p>
-            <a:pPr lvl="1"/>
-            <a:r>
-              <a:rPr lang="en-US" altLang="ko-KR" sz="2000"/>
-              <a:t>Mysql </a:t>
-            </a:r>
-            <a:r>
-              <a:rPr lang="ko-KR" altLang="en-US" sz="2000"/>
-              <a:t>서버의 모든 </a:t>
-            </a:r>
-            <a:r>
-              <a:rPr lang="en-US" altLang="ko-KR" sz="2000"/>
-              <a:t>DB</a:t>
-            </a:r>
-            <a:r>
-              <a:rPr lang="ko-KR" altLang="en-US" sz="2000"/>
-              <a:t>를 가져옴</a:t>
-            </a:r>
-            <a:r>
-              <a:rPr lang="en-US" altLang="ko-KR" sz="2000"/>
-              <a:t>.</a:t>
-            </a:r>
-          </a:p>
-          <a:p>
-            <a:pPr lvl="1"/>
-            <a:endParaRPr lang="en-US" altLang="ko-KR" sz="2000"/>
-          </a:p>
-        </p:txBody>
-      </p:sp>
-      <p:sp>
-        <p:nvSpPr>
-          <p:cNvPr id="2" name="제목 1"/>
-          <p:cNvSpPr>
-            <a:spLocks noGrp="1"/>
-          </p:cNvSpPr>
-          <p:nvPr>
-            <p:ph type="title"/>
-          </p:nvPr>
-        </p:nvSpPr>
-        <p:spPr>
-          <a:xfrm>
-            <a:off x="755650" y="158820"/>
-            <a:ext cx="8137525" cy="707886"/>
-          </a:xfrm>
-        </p:spPr>
-        <p:txBody>
-          <a:bodyPr/>
-          <a:lstStyle/>
-          <a:p>
-            <a:r>
-              <a:rPr lang="en-US" altLang="ko-KR"/>
-              <a:t>CS2 </a:t>
-            </a:r>
-            <a:r>
-              <a:rPr lang="ko-KR" altLang="en-US"/>
-              <a:t>속도 개선</a:t>
-            </a:r>
-            <a:endParaRPr lang="ko-KR" altLang="en-US" dirty="0"/>
-          </a:p>
-        </p:txBody>
-      </p:sp>
-      <p:sp>
-        <p:nvSpPr>
-          <p:cNvPr id="3" name="직사각형 2">
-            <a:extLst>
-              <a:ext uri="{FF2B5EF4-FFF2-40B4-BE49-F238E27FC236}">
-                <a16:creationId xmlns:a16="http://schemas.microsoft.com/office/drawing/2014/main" id="{8EAA83B3-0439-4A56-B85F-796EC87AC21C}"/>
-              </a:ext>
-            </a:extLst>
-          </p:cNvPr>
-          <p:cNvSpPr/>
-          <p:nvPr/>
-        </p:nvSpPr>
-        <p:spPr>
-          <a:xfrm>
-            <a:off x="1475656" y="5445224"/>
-            <a:ext cx="6912768" cy="360040"/>
-          </a:xfrm>
-          <a:prstGeom prst="rect">
-            <a:avLst/>
-          </a:prstGeom>
-          <a:solidFill>
-            <a:srgbClr val="FFFF99"/>
-          </a:solidFill>
-          <a:ln w="19050">
-            <a:noFill/>
-          </a:ln>
-        </p:spPr>
-        <p:style>
-          <a:lnRef idx="2">
-            <a:schemeClr val="accent1">
-              <a:shade val="50000"/>
-            </a:schemeClr>
-          </a:lnRef>
-          <a:fillRef idx="1">
-            <a:schemeClr val="accent1"/>
-          </a:fillRef>
-          <a:effectRef idx="0">
-            <a:schemeClr val="accent1"/>
-          </a:effectRef>
-          <a:fontRef idx="minor">
-            <a:schemeClr val="lt1"/>
-          </a:fontRef>
-        </p:style>
-        <p:txBody>
-          <a:bodyPr rot="0" spcFirstLastPara="0" vertOverflow="overflow" horzOverflow="overflow" vert="horz" wrap="square" lIns="91440" tIns="45720" rIns="91440" bIns="45720" numCol="1" spcCol="0" rtlCol="0" fromWordArt="0" anchor="ctr" anchorCtr="0" forceAA="0" compatLnSpc="1">
-            <a:prstTxWarp prst="textNoShape">
-              <a:avLst/>
-            </a:prstTxWarp>
-            <a:noAutofit/>
-          </a:bodyPr>
-          <a:lstStyle/>
-          <a:p>
-            <a:r>
-              <a:rPr lang="en-US" altLang="ko-KR" sz="1400">
-                <a:solidFill>
-                  <a:schemeClr val="tx1"/>
-                </a:solidFill>
-                <a:latin typeface="나눔스퀘어 Bold" panose="020B0600000101010101" pitchFamily="50" charset="-127"/>
-                <a:ea typeface="나눔스퀘어 Bold" panose="020B0600000101010101" pitchFamily="50" charset="-127"/>
-              </a:rPr>
-              <a:t>$mysqldump</a:t>
-            </a:r>
-            <a:r>
-              <a:rPr lang="ko-KR" altLang="en-US" sz="1400">
-                <a:solidFill>
-                  <a:schemeClr val="tx1"/>
-                </a:solidFill>
-                <a:latin typeface="나눔스퀘어 Bold" panose="020B0600000101010101" pitchFamily="50" charset="-127"/>
-                <a:ea typeface="나눔스퀘어 Bold" panose="020B0600000101010101" pitchFamily="50" charset="-127"/>
-              </a:rPr>
-              <a:t> </a:t>
-            </a:r>
-            <a:r>
-              <a:rPr lang="en-US" altLang="ko-KR" sz="1400">
-                <a:solidFill>
-                  <a:schemeClr val="tx1"/>
-                </a:solidFill>
-                <a:latin typeface="나눔스퀘어 Bold" panose="020B0600000101010101" pitchFamily="50" charset="-127"/>
-                <a:ea typeface="나눔스퀘어 Bold" panose="020B0600000101010101" pitchFamily="50" charset="-127"/>
-              </a:rPr>
-              <a:t>-uroot</a:t>
-            </a:r>
-            <a:r>
-              <a:rPr lang="ko-KR" altLang="en-US" sz="1400">
-                <a:solidFill>
-                  <a:schemeClr val="tx1"/>
-                </a:solidFill>
-                <a:latin typeface="나눔스퀘어 Bold" panose="020B0600000101010101" pitchFamily="50" charset="-127"/>
-                <a:ea typeface="나눔스퀘어 Bold" panose="020B0600000101010101" pitchFamily="50" charset="-127"/>
-              </a:rPr>
-              <a:t> </a:t>
-            </a:r>
-            <a:r>
-              <a:rPr lang="en-US" altLang="ko-KR" sz="1400">
-                <a:solidFill>
-                  <a:schemeClr val="tx1"/>
-                </a:solidFill>
-                <a:latin typeface="나눔스퀘어 Bold" panose="020B0600000101010101" pitchFamily="50" charset="-127"/>
-                <a:ea typeface="나눔스퀘어 Bold" panose="020B0600000101010101" pitchFamily="50" charset="-127"/>
-              </a:rPr>
-              <a:t>-p </a:t>
-            </a:r>
-            <a:r>
-              <a:rPr lang="en-US" altLang="ko-KR" sz="1400">
-                <a:solidFill>
-                  <a:srgbClr val="FF0000"/>
-                </a:solidFill>
-                <a:latin typeface="나눔스퀘어 Bold" panose="020B0600000101010101" pitchFamily="50" charset="-127"/>
-                <a:ea typeface="나눔스퀘어 Bold" panose="020B0600000101010101" pitchFamily="50" charset="-127"/>
-              </a:rPr>
-              <a:t>-A </a:t>
-            </a:r>
-            <a:r>
-              <a:rPr lang="en-US" altLang="ko-KR" sz="1400">
-                <a:solidFill>
-                  <a:schemeClr val="tx1"/>
-                </a:solidFill>
-                <a:latin typeface="나눔스퀘어 Bold" panose="020B0600000101010101" pitchFamily="50" charset="-127"/>
-                <a:ea typeface="나눔스퀘어 Bold" panose="020B0600000101010101" pitchFamily="50" charset="-127"/>
-              </a:rPr>
-              <a:t>&gt; __________.sql</a:t>
-            </a:r>
-            <a:endParaRPr lang="ko-KR" altLang="en-US" sz="1400">
-              <a:solidFill>
-                <a:schemeClr val="tx1"/>
-              </a:solidFill>
-              <a:latin typeface="나눔스퀘어 Bold" panose="020B0600000101010101" pitchFamily="50" charset="-127"/>
-              <a:ea typeface="나눔스퀘어 Bold" panose="020B0600000101010101" pitchFamily="50" charset="-127"/>
-            </a:endParaRPr>
-          </a:p>
-        </p:txBody>
-      </p:sp>
-      <p:sp>
-        <p:nvSpPr>
-          <p:cNvPr id="10" name="직사각형 9">
-            <a:extLst>
-              <a:ext uri="{FF2B5EF4-FFF2-40B4-BE49-F238E27FC236}">
-                <a16:creationId xmlns:a16="http://schemas.microsoft.com/office/drawing/2014/main" id="{A71E6CB3-4F0E-4468-A620-90FC31648F2E}"/>
-              </a:ext>
-            </a:extLst>
-          </p:cNvPr>
-          <p:cNvSpPr/>
-          <p:nvPr/>
-        </p:nvSpPr>
-        <p:spPr>
-          <a:xfrm>
-            <a:off x="1489157" y="3933056"/>
-            <a:ext cx="6912768" cy="360040"/>
-          </a:xfrm>
-          <a:prstGeom prst="rect">
-            <a:avLst/>
-          </a:prstGeom>
-          <a:solidFill>
-            <a:srgbClr val="FFFF99"/>
-          </a:solidFill>
-          <a:ln w="19050">
-            <a:noFill/>
-          </a:ln>
-        </p:spPr>
-        <p:style>
-          <a:lnRef idx="2">
-            <a:schemeClr val="accent1">
-              <a:shade val="50000"/>
-            </a:schemeClr>
-          </a:lnRef>
-          <a:fillRef idx="1">
-            <a:schemeClr val="accent1"/>
-          </a:fillRef>
-          <a:effectRef idx="0">
-            <a:schemeClr val="accent1"/>
-          </a:effectRef>
-          <a:fontRef idx="minor">
-            <a:schemeClr val="lt1"/>
-          </a:fontRef>
-        </p:style>
-        <p:txBody>
-          <a:bodyPr rot="0" spcFirstLastPara="0" vertOverflow="overflow" horzOverflow="overflow" vert="horz" wrap="square" lIns="91440" tIns="45720" rIns="91440" bIns="45720" numCol="1" spcCol="0" rtlCol="0" fromWordArt="0" anchor="ctr" anchorCtr="0" forceAA="0" compatLnSpc="1">
-            <a:prstTxWarp prst="textNoShape">
-              <a:avLst/>
-            </a:prstTxWarp>
-            <a:noAutofit/>
-          </a:bodyPr>
-          <a:lstStyle/>
-          <a:p>
-            <a:r>
-              <a:rPr lang="en-US" altLang="ko-KR" sz="1400">
-                <a:solidFill>
-                  <a:schemeClr val="tx1"/>
-                </a:solidFill>
-                <a:latin typeface="나눔스퀘어 Bold" panose="020B0600000101010101" pitchFamily="50" charset="-127"/>
-                <a:ea typeface="나눔스퀘어 Bold" panose="020B0600000101010101" pitchFamily="50" charset="-127"/>
-              </a:rPr>
-              <a:t>$tar</a:t>
-            </a:r>
-            <a:r>
-              <a:rPr lang="ko-KR" altLang="en-US" sz="1400">
-                <a:solidFill>
-                  <a:schemeClr val="tx1"/>
-                </a:solidFill>
-                <a:latin typeface="나눔스퀘어 Bold" panose="020B0600000101010101" pitchFamily="50" charset="-127"/>
-                <a:ea typeface="나눔스퀘어 Bold" panose="020B0600000101010101" pitchFamily="50" charset="-127"/>
-              </a:rPr>
-              <a:t> </a:t>
-            </a:r>
-            <a:r>
-              <a:rPr lang="en-US" altLang="ko-KR" sz="1400">
-                <a:solidFill>
-                  <a:schemeClr val="tx1"/>
-                </a:solidFill>
-                <a:latin typeface="나눔스퀘어 Bold" panose="020B0600000101010101" pitchFamily="50" charset="-127"/>
-                <a:ea typeface="나눔스퀘어 Bold" panose="020B0600000101010101" pitchFamily="50" charset="-127"/>
-              </a:rPr>
-              <a:t>-cvpf   </a:t>
-            </a:r>
-            <a:r>
-              <a:rPr lang="ko-KR" altLang="en-US" sz="1400">
-                <a:solidFill>
-                  <a:schemeClr val="tx1"/>
-                </a:solidFill>
-                <a:latin typeface="나눔스퀘어 Bold" panose="020B0600000101010101" pitchFamily="50" charset="-127"/>
-                <a:ea typeface="나눔스퀘어 Bold" panose="020B0600000101010101" pitchFamily="50" charset="-127"/>
-              </a:rPr>
-              <a:t>파일명</a:t>
-            </a:r>
-            <a:r>
-              <a:rPr lang="en-US" altLang="ko-KR" sz="1400">
-                <a:solidFill>
-                  <a:schemeClr val="tx1"/>
-                </a:solidFill>
-                <a:latin typeface="나눔스퀘어 Bold" panose="020B0600000101010101" pitchFamily="50" charset="-127"/>
-                <a:ea typeface="나눔스퀘어 Bold" panose="020B0600000101010101" pitchFamily="50" charset="-127"/>
-              </a:rPr>
-              <a:t>.tar.gz   /var/www/wordpress </a:t>
-            </a:r>
-            <a:endParaRPr lang="ko-KR" altLang="en-US" sz="1400">
-              <a:solidFill>
-                <a:schemeClr val="tx1"/>
-              </a:solidFill>
-              <a:latin typeface="나눔스퀘어 Bold" panose="020B0600000101010101" pitchFamily="50" charset="-127"/>
-              <a:ea typeface="나눔스퀘어 Bold" panose="020B0600000101010101" pitchFamily="50" charset="-127"/>
-            </a:endParaRPr>
-          </a:p>
-        </p:txBody>
-      </p:sp>
-    </p:spTree>
-    <p:extLst>
-      <p:ext uri="{BB962C8B-B14F-4D97-AF65-F5344CB8AC3E}">
-        <p14:creationId xmlns:p14="http://schemas.microsoft.com/office/powerpoint/2010/main" val="3282169566"/>
+        <p14:creationId xmlns:p14="http://schemas.microsoft.com/office/powerpoint/2010/main" val="2456753524"/>
       </p:ext>
     </p:extLst>
   </p:cSld>
